--- a/Files/Chapter1/Class2/第一章_第二讲_RISC-V软硬件生态.pptx
+++ b/Files/Chapter1/Class2/第一章_第二讲_RISC-V软硬件生态.pptx
@@ -5,17 +5,26 @@
     <p:sldMasterId id="2147483649" r:id="rId1"/>
   </p:sldMasterIdLst>
   <p:notesMasterIdLst>
-    <p:notesMasterId r:id="rId7"/>
+    <p:notesMasterId r:id="rId16"/>
   </p:notesMasterIdLst>
   <p:handoutMasterIdLst>
-    <p:handoutMasterId r:id="rId8"/>
+    <p:handoutMasterId r:id="rId17"/>
   </p:handoutMasterIdLst>
   <p:sldIdLst>
     <p:sldId id="256" r:id="rId2"/>
     <p:sldId id="257" r:id="rId3"/>
-    <p:sldId id="311" r:id="rId4"/>
-    <p:sldId id="313" r:id="rId5"/>
-    <p:sldId id="312" r:id="rId6"/>
+    <p:sldId id="315" r:id="rId4"/>
+    <p:sldId id="314" r:id="rId5"/>
+    <p:sldId id="311" r:id="rId6"/>
+    <p:sldId id="313" r:id="rId7"/>
+    <p:sldId id="316" r:id="rId8"/>
+    <p:sldId id="317" r:id="rId9"/>
+    <p:sldId id="318" r:id="rId10"/>
+    <p:sldId id="321" r:id="rId11"/>
+    <p:sldId id="322" r:id="rId12"/>
+    <p:sldId id="319" r:id="rId13"/>
+    <p:sldId id="320" r:id="rId14"/>
+    <p:sldId id="312" r:id="rId15"/>
   </p:sldIdLst>
   <p:sldSz cx="9906000" cy="6858000" type="A4"/>
   <p:notesSz cx="6797675" cy="9928225"/>
@@ -925,6 +934,382 @@
     <p:extLst>
       <p:ext uri="{BB962C8B-B14F-4D97-AF65-F5344CB8AC3E}">
         <p14:creationId xmlns:p14="http://schemas.microsoft.com/office/powerpoint/2010/main" val="3952149423"/>
+      </p:ext>
+    </p:extLst>
+  </p:cSld>
+  <p:clrMapOvr>
+    <a:masterClrMapping/>
+  </p:clrMapOvr>
+</p:notes>
+</file>
+
+<file path=ppt/notesSlides/notesSlide2.xml><?xml version="1.0" encoding="utf-8"?>
+<p:notes xmlns:a="http://schemas.openxmlformats.org/drawingml/2006/main" xmlns:r="http://schemas.openxmlformats.org/officeDocument/2006/relationships" xmlns:p="http://schemas.openxmlformats.org/presentationml/2006/main">
+  <p:cSld>
+    <p:spTree>
+      <p:nvGrpSpPr>
+        <p:cNvPr id="1" name=""/>
+        <p:cNvGrpSpPr/>
+        <p:nvPr/>
+      </p:nvGrpSpPr>
+      <p:grpSpPr>
+        <a:xfrm>
+          <a:off x="0" y="0"/>
+          <a:ext cx="0" cy="0"/>
+          <a:chOff x="0" y="0"/>
+          <a:chExt cx="0" cy="0"/>
+        </a:xfrm>
+      </p:grpSpPr>
+      <p:sp>
+        <p:nvSpPr>
+          <p:cNvPr id="2" name="幻灯片图像占位符 1"/>
+          <p:cNvSpPr>
+            <a:spLocks noGrp="1" noRot="1" noChangeAspect="1"/>
+          </p:cNvSpPr>
+          <p:nvPr>
+            <p:ph type="sldImg"/>
+          </p:nvPr>
+        </p:nvSpPr>
+        <p:spPr/>
+      </p:sp>
+      <p:sp>
+        <p:nvSpPr>
+          <p:cNvPr id="3" name="备注占位符 2"/>
+          <p:cNvSpPr>
+            <a:spLocks noGrp="1"/>
+          </p:cNvSpPr>
+          <p:nvPr>
+            <p:ph type="body" idx="1"/>
+          </p:nvPr>
+        </p:nvSpPr>
+        <p:spPr/>
+        <p:txBody>
+          <a:bodyPr/>
+          <a:lstStyle/>
+          <a:p>
+            <a:endParaRPr lang="en-US" dirty="0"/>
+          </a:p>
+        </p:txBody>
+      </p:sp>
+      <p:sp>
+        <p:nvSpPr>
+          <p:cNvPr id="4" name="灯片编号占位符 3"/>
+          <p:cNvSpPr>
+            <a:spLocks noGrp="1"/>
+          </p:cNvSpPr>
+          <p:nvPr>
+            <p:ph type="sldNum" sz="quarter" idx="5"/>
+          </p:nvPr>
+        </p:nvSpPr>
+        <p:spPr/>
+        <p:txBody>
+          <a:bodyPr/>
+          <a:lstStyle/>
+          <a:p>
+            <a:pPr>
+              <a:defRPr/>
+            </a:pPr>
+            <a:fld id="{BC7D674A-C53E-4DF2-95AB-FDF5B54D8C97}" type="slidenum">
+              <a:rPr lang="en-US" altLang="zh-CN" smtClean="0"/>
+              <a:pPr>
+                <a:defRPr/>
+              </a:pPr>
+              <a:t>3</a:t>
+            </a:fld>
+            <a:endParaRPr lang="en-US" altLang="zh-CN"/>
+          </a:p>
+        </p:txBody>
+      </p:sp>
+    </p:spTree>
+    <p:extLst>
+      <p:ext uri="{BB962C8B-B14F-4D97-AF65-F5344CB8AC3E}">
+        <p14:creationId xmlns:p14="http://schemas.microsoft.com/office/powerpoint/2010/main" val="2282533531"/>
+      </p:ext>
+    </p:extLst>
+  </p:cSld>
+  <p:clrMapOvr>
+    <a:masterClrMapping/>
+  </p:clrMapOvr>
+</p:notes>
+</file>
+
+<file path=ppt/notesSlides/notesSlide3.xml><?xml version="1.0" encoding="utf-8"?>
+<p:notes xmlns:a="http://schemas.openxmlformats.org/drawingml/2006/main" xmlns:r="http://schemas.openxmlformats.org/officeDocument/2006/relationships" xmlns:p="http://schemas.openxmlformats.org/presentationml/2006/main">
+  <p:cSld>
+    <p:spTree>
+      <p:nvGrpSpPr>
+        <p:cNvPr id="1" name=""/>
+        <p:cNvGrpSpPr/>
+        <p:nvPr/>
+      </p:nvGrpSpPr>
+      <p:grpSpPr>
+        <a:xfrm>
+          <a:off x="0" y="0"/>
+          <a:ext cx="0" cy="0"/>
+          <a:chOff x="0" y="0"/>
+          <a:chExt cx="0" cy="0"/>
+        </a:xfrm>
+      </p:grpSpPr>
+      <p:sp>
+        <p:nvSpPr>
+          <p:cNvPr id="2" name="幻灯片图像占位符 1"/>
+          <p:cNvSpPr>
+            <a:spLocks noGrp="1" noRot="1" noChangeAspect="1"/>
+          </p:cNvSpPr>
+          <p:nvPr>
+            <p:ph type="sldImg"/>
+          </p:nvPr>
+        </p:nvSpPr>
+        <p:spPr/>
+      </p:sp>
+      <p:sp>
+        <p:nvSpPr>
+          <p:cNvPr id="3" name="备注占位符 2"/>
+          <p:cNvSpPr>
+            <a:spLocks noGrp="1"/>
+          </p:cNvSpPr>
+          <p:nvPr>
+            <p:ph type="body" idx="1"/>
+          </p:nvPr>
+        </p:nvSpPr>
+        <p:spPr/>
+        <p:txBody>
+          <a:bodyPr/>
+          <a:lstStyle/>
+          <a:p>
+            <a:endParaRPr lang="en-US" dirty="0"/>
+          </a:p>
+        </p:txBody>
+      </p:sp>
+      <p:sp>
+        <p:nvSpPr>
+          <p:cNvPr id="4" name="灯片编号占位符 3"/>
+          <p:cNvSpPr>
+            <a:spLocks noGrp="1"/>
+          </p:cNvSpPr>
+          <p:nvPr>
+            <p:ph type="sldNum" sz="quarter" idx="5"/>
+          </p:nvPr>
+        </p:nvSpPr>
+        <p:spPr/>
+        <p:txBody>
+          <a:bodyPr/>
+          <a:lstStyle/>
+          <a:p>
+            <a:pPr>
+              <a:defRPr/>
+            </a:pPr>
+            <a:fld id="{BC7D674A-C53E-4DF2-95AB-FDF5B54D8C97}" type="slidenum">
+              <a:rPr lang="en-US" altLang="zh-CN" smtClean="0"/>
+              <a:pPr>
+                <a:defRPr/>
+              </a:pPr>
+              <a:t>7</a:t>
+            </a:fld>
+            <a:endParaRPr lang="en-US" altLang="zh-CN"/>
+          </a:p>
+        </p:txBody>
+      </p:sp>
+    </p:spTree>
+    <p:extLst>
+      <p:ext uri="{BB962C8B-B14F-4D97-AF65-F5344CB8AC3E}">
+        <p14:creationId xmlns:p14="http://schemas.microsoft.com/office/powerpoint/2010/main" val="3093829900"/>
+      </p:ext>
+    </p:extLst>
+  </p:cSld>
+  <p:clrMapOvr>
+    <a:masterClrMapping/>
+  </p:clrMapOvr>
+</p:notes>
+</file>
+
+<file path=ppt/notesSlides/notesSlide4.xml><?xml version="1.0" encoding="utf-8"?>
+<p:notes xmlns:a="http://schemas.openxmlformats.org/drawingml/2006/main" xmlns:r="http://schemas.openxmlformats.org/officeDocument/2006/relationships" xmlns:p="http://schemas.openxmlformats.org/presentationml/2006/main">
+  <p:cSld>
+    <p:spTree>
+      <p:nvGrpSpPr>
+        <p:cNvPr id="1" name=""/>
+        <p:cNvGrpSpPr/>
+        <p:nvPr/>
+      </p:nvGrpSpPr>
+      <p:grpSpPr>
+        <a:xfrm>
+          <a:off x="0" y="0"/>
+          <a:ext cx="0" cy="0"/>
+          <a:chOff x="0" y="0"/>
+          <a:chExt cx="0" cy="0"/>
+        </a:xfrm>
+      </p:grpSpPr>
+      <p:sp>
+        <p:nvSpPr>
+          <p:cNvPr id="2" name="幻灯片图像占位符 1"/>
+          <p:cNvSpPr>
+            <a:spLocks noGrp="1" noRot="1" noChangeAspect="1"/>
+          </p:cNvSpPr>
+          <p:nvPr>
+            <p:ph type="sldImg"/>
+          </p:nvPr>
+        </p:nvSpPr>
+        <p:spPr/>
+      </p:sp>
+      <p:sp>
+        <p:nvSpPr>
+          <p:cNvPr id="3" name="备注占位符 2"/>
+          <p:cNvSpPr>
+            <a:spLocks noGrp="1"/>
+          </p:cNvSpPr>
+          <p:nvPr>
+            <p:ph type="body" idx="1"/>
+          </p:nvPr>
+        </p:nvSpPr>
+        <p:spPr/>
+        <p:txBody>
+          <a:bodyPr/>
+          <a:lstStyle/>
+          <a:p>
+            <a:r>
+              <a:rPr lang="en-US" dirty="0"/>
+              <a:t>L</a:t>
+            </a:r>
+            <a:r>
+              <a:rPr lang="en-US" altLang="zh-CN" dirty="0"/>
+              <a:t>inux</a:t>
+            </a:r>
+            <a:r>
+              <a:rPr lang="zh-CN" altLang="en-US" dirty="0"/>
+              <a:t>操作系统</a:t>
+            </a:r>
+            <a:endParaRPr lang="en-US" dirty="0"/>
+          </a:p>
+        </p:txBody>
+      </p:sp>
+      <p:sp>
+        <p:nvSpPr>
+          <p:cNvPr id="4" name="灯片编号占位符 3"/>
+          <p:cNvSpPr>
+            <a:spLocks noGrp="1"/>
+          </p:cNvSpPr>
+          <p:nvPr>
+            <p:ph type="sldNum" sz="quarter" idx="5"/>
+          </p:nvPr>
+        </p:nvSpPr>
+        <p:spPr/>
+        <p:txBody>
+          <a:bodyPr/>
+          <a:lstStyle/>
+          <a:p>
+            <a:pPr>
+              <a:defRPr/>
+            </a:pPr>
+            <a:fld id="{BC7D674A-C53E-4DF2-95AB-FDF5B54D8C97}" type="slidenum">
+              <a:rPr lang="en-US" altLang="zh-CN" smtClean="0"/>
+              <a:pPr>
+                <a:defRPr/>
+              </a:pPr>
+              <a:t>12</a:t>
+            </a:fld>
+            <a:endParaRPr lang="en-US" altLang="zh-CN"/>
+          </a:p>
+        </p:txBody>
+      </p:sp>
+    </p:spTree>
+    <p:extLst>
+      <p:ext uri="{BB962C8B-B14F-4D97-AF65-F5344CB8AC3E}">
+        <p14:creationId xmlns:p14="http://schemas.microsoft.com/office/powerpoint/2010/main" val="301593848"/>
+      </p:ext>
+    </p:extLst>
+  </p:cSld>
+  <p:clrMapOvr>
+    <a:masterClrMapping/>
+  </p:clrMapOvr>
+</p:notes>
+</file>
+
+<file path=ppt/notesSlides/notesSlide5.xml><?xml version="1.0" encoding="utf-8"?>
+<p:notes xmlns:a="http://schemas.openxmlformats.org/drawingml/2006/main" xmlns:r="http://schemas.openxmlformats.org/officeDocument/2006/relationships" xmlns:p="http://schemas.openxmlformats.org/presentationml/2006/main">
+  <p:cSld>
+    <p:spTree>
+      <p:nvGrpSpPr>
+        <p:cNvPr id="1" name=""/>
+        <p:cNvGrpSpPr/>
+        <p:nvPr/>
+      </p:nvGrpSpPr>
+      <p:grpSpPr>
+        <a:xfrm>
+          <a:off x="0" y="0"/>
+          <a:ext cx="0" cy="0"/>
+          <a:chOff x="0" y="0"/>
+          <a:chExt cx="0" cy="0"/>
+        </a:xfrm>
+      </p:grpSpPr>
+      <p:sp>
+        <p:nvSpPr>
+          <p:cNvPr id="2" name="幻灯片图像占位符 1"/>
+          <p:cNvSpPr>
+            <a:spLocks noGrp="1" noRot="1" noChangeAspect="1"/>
+          </p:cNvSpPr>
+          <p:nvPr>
+            <p:ph type="sldImg"/>
+          </p:nvPr>
+        </p:nvSpPr>
+        <p:spPr/>
+      </p:sp>
+      <p:sp>
+        <p:nvSpPr>
+          <p:cNvPr id="3" name="备注占位符 2"/>
+          <p:cNvSpPr>
+            <a:spLocks noGrp="1"/>
+          </p:cNvSpPr>
+          <p:nvPr>
+            <p:ph type="body" idx="1"/>
+          </p:nvPr>
+        </p:nvSpPr>
+        <p:spPr/>
+        <p:txBody>
+          <a:bodyPr/>
+          <a:lstStyle/>
+          <a:p>
+            <a:r>
+              <a:rPr lang="zh-CN" altLang="en-US" dirty="0"/>
+              <a:t>编译器以及运行库（节选）</a:t>
+            </a:r>
+            <a:endParaRPr lang="en-US" dirty="0"/>
+          </a:p>
+        </p:txBody>
+      </p:sp>
+      <p:sp>
+        <p:nvSpPr>
+          <p:cNvPr id="4" name="灯片编号占位符 3"/>
+          <p:cNvSpPr>
+            <a:spLocks noGrp="1"/>
+          </p:cNvSpPr>
+          <p:nvPr>
+            <p:ph type="sldNum" sz="quarter" idx="5"/>
+          </p:nvPr>
+        </p:nvSpPr>
+        <p:spPr/>
+        <p:txBody>
+          <a:bodyPr/>
+          <a:lstStyle/>
+          <a:p>
+            <a:pPr>
+              <a:defRPr/>
+            </a:pPr>
+            <a:fld id="{BC7D674A-C53E-4DF2-95AB-FDF5B54D8C97}" type="slidenum">
+              <a:rPr lang="en-US" altLang="zh-CN" smtClean="0"/>
+              <a:pPr>
+                <a:defRPr/>
+              </a:pPr>
+              <a:t>13</a:t>
+            </a:fld>
+            <a:endParaRPr lang="en-US" altLang="zh-CN"/>
+          </a:p>
+        </p:txBody>
+      </p:sp>
+    </p:spTree>
+    <p:extLst>
+      <p:ext uri="{BB962C8B-B14F-4D97-AF65-F5344CB8AC3E}">
+        <p14:creationId xmlns:p14="http://schemas.microsoft.com/office/powerpoint/2010/main" val="2837411341"/>
       </p:ext>
     </p:extLst>
   </p:cSld>
@@ -5104,6 +5489,777 @@
 </p:sld>
 </file>
 
+<file path=ppt/slides/slide10.xml><?xml version="1.0" encoding="utf-8"?>
+<p:sld xmlns:a="http://schemas.openxmlformats.org/drawingml/2006/main" xmlns:r="http://schemas.openxmlformats.org/officeDocument/2006/relationships" xmlns:p="http://schemas.openxmlformats.org/presentationml/2006/main">
+  <p:cSld>
+    <p:spTree>
+      <p:nvGrpSpPr>
+        <p:cNvPr id="1" name=""/>
+        <p:cNvGrpSpPr/>
+        <p:nvPr/>
+      </p:nvGrpSpPr>
+      <p:grpSpPr>
+        <a:xfrm>
+          <a:off x="0" y="0"/>
+          <a:ext cx="0" cy="0"/>
+          <a:chOff x="0" y="0"/>
+          <a:chExt cx="0" cy="0"/>
+        </a:xfrm>
+      </p:grpSpPr>
+      <p:sp>
+        <p:nvSpPr>
+          <p:cNvPr id="2" name="标题 1">
+            <a:extLst>
+              <a:ext uri="{FF2B5EF4-FFF2-40B4-BE49-F238E27FC236}">
+                <a16:creationId xmlns:a16="http://schemas.microsoft.com/office/drawing/2014/main" id="{CA3AFEAE-FB66-579A-07C0-995ADBD2339A}"/>
+              </a:ext>
+            </a:extLst>
+          </p:cNvPr>
+          <p:cNvSpPr>
+            <a:spLocks noGrp="1"/>
+          </p:cNvSpPr>
+          <p:nvPr>
+            <p:ph type="title"/>
+          </p:nvPr>
+        </p:nvSpPr>
+        <p:spPr/>
+        <p:txBody>
+          <a:bodyPr/>
+          <a:lstStyle/>
+          <a:p>
+            <a:r>
+              <a:rPr lang="en-US" dirty="0"/>
+              <a:t>RISC-V </a:t>
+            </a:r>
+            <a:r>
+              <a:rPr lang="zh-CN" altLang="en-US" dirty="0"/>
+              <a:t>软件生态</a:t>
+            </a:r>
+            <a:endParaRPr lang="en-US" dirty="0"/>
+          </a:p>
+        </p:txBody>
+      </p:sp>
+      <p:sp>
+        <p:nvSpPr>
+          <p:cNvPr id="4" name="灯片编号占位符 3">
+            <a:extLst>
+              <a:ext uri="{FF2B5EF4-FFF2-40B4-BE49-F238E27FC236}">
+                <a16:creationId xmlns:a16="http://schemas.microsoft.com/office/drawing/2014/main" id="{3D7DF1E7-3798-778F-C2F0-5AAD53194B9F}"/>
+              </a:ext>
+            </a:extLst>
+          </p:cNvPr>
+          <p:cNvSpPr>
+            <a:spLocks noGrp="1"/>
+          </p:cNvSpPr>
+          <p:nvPr>
+            <p:ph type="sldNum" sz="quarter" idx="12"/>
+          </p:nvPr>
+        </p:nvSpPr>
+        <p:spPr/>
+        <p:txBody>
+          <a:bodyPr/>
+          <a:lstStyle/>
+          <a:p>
+            <a:pPr>
+              <a:defRPr/>
+            </a:pPr>
+            <a:fld id="{581DD3E0-5F7C-46B2-AE3F-E81668104769}" type="slidenum">
+              <a:rPr lang="en-US" altLang="zh-CN" smtClean="0"/>
+              <a:pPr>
+                <a:defRPr/>
+              </a:pPr>
+              <a:t>10</a:t>
+            </a:fld>
+            <a:endParaRPr lang="en-US" altLang="zh-CN"/>
+          </a:p>
+        </p:txBody>
+      </p:sp>
+      <p:sp>
+        <p:nvSpPr>
+          <p:cNvPr id="7" name="内容占位符 6">
+            <a:extLst>
+              <a:ext uri="{FF2B5EF4-FFF2-40B4-BE49-F238E27FC236}">
+                <a16:creationId xmlns:a16="http://schemas.microsoft.com/office/drawing/2014/main" id="{63E98962-960A-DA82-D050-77CE2CC56408}"/>
+              </a:ext>
+            </a:extLst>
+          </p:cNvPr>
+          <p:cNvSpPr>
+            <a:spLocks noGrp="1"/>
+          </p:cNvSpPr>
+          <p:nvPr>
+            <p:ph idx="1"/>
+          </p:nvPr>
+        </p:nvSpPr>
+        <p:spPr/>
+        <p:txBody>
+          <a:bodyPr/>
+          <a:lstStyle/>
+          <a:p>
+            <a:r>
+              <a:rPr lang="zh-CN" altLang="en-US" dirty="0"/>
+              <a:t>模拟器</a:t>
+            </a:r>
+            <a:endParaRPr lang="en-US" altLang="zh-CN" dirty="0"/>
+          </a:p>
+          <a:p>
+            <a:r>
+              <a:rPr lang="zh-CN" altLang="en-US" dirty="0"/>
+              <a:t>对象工具链</a:t>
+            </a:r>
+            <a:endParaRPr lang="en-US" altLang="zh-CN" dirty="0"/>
+          </a:p>
+          <a:p>
+            <a:r>
+              <a:rPr lang="zh-CN" altLang="en-US" dirty="0"/>
+              <a:t>调试</a:t>
+            </a:r>
+            <a:endParaRPr lang="en-US" altLang="zh-CN" dirty="0"/>
+          </a:p>
+          <a:p>
+            <a:r>
+              <a:rPr lang="en-US" altLang="zh-CN" dirty="0"/>
+              <a:t>C </a:t>
+            </a:r>
+            <a:r>
+              <a:rPr lang="zh-CN" altLang="en-US" dirty="0"/>
+              <a:t>编译器和库</a:t>
+            </a:r>
+            <a:endParaRPr lang="en-US" altLang="zh-CN" dirty="0"/>
+          </a:p>
+          <a:p>
+            <a:r>
+              <a:rPr lang="zh-CN" altLang="en-US" dirty="0"/>
+              <a:t>引导加载程序和监视器</a:t>
+            </a:r>
+            <a:endParaRPr lang="en-US" altLang="zh-CN" dirty="0"/>
+          </a:p>
+          <a:p>
+            <a:r>
+              <a:rPr lang="zh-CN" altLang="en-US" dirty="0"/>
+              <a:t>管理程序和相关工具</a:t>
+            </a:r>
+            <a:endParaRPr lang="en-US" altLang="zh-CN" dirty="0"/>
+          </a:p>
+          <a:p>
+            <a:r>
+              <a:rPr lang="zh-CN" altLang="en-US" dirty="0"/>
+              <a:t>操作系统和操作系统内核</a:t>
+            </a:r>
+            <a:endParaRPr lang="en-US" altLang="zh-CN" dirty="0"/>
+          </a:p>
+          <a:p>
+            <a:r>
+              <a:rPr lang="zh-CN" altLang="en-US" dirty="0"/>
+              <a:t>其他语言的编译器和运行时</a:t>
+            </a:r>
+            <a:endParaRPr lang="en-US" altLang="zh-CN" dirty="0"/>
+          </a:p>
+          <a:p>
+            <a:r>
+              <a:rPr lang="en-US" altLang="zh-CN" dirty="0"/>
+              <a:t>IDE</a:t>
+            </a:r>
+            <a:r>
+              <a:rPr lang="zh-CN" altLang="en-US" dirty="0"/>
+              <a:t>、</a:t>
+            </a:r>
+            <a:r>
+              <a:rPr lang="en-US" altLang="zh-CN" dirty="0"/>
+              <a:t>SDK </a:t>
+            </a:r>
+            <a:r>
+              <a:rPr lang="zh-CN" altLang="en-US" dirty="0"/>
+              <a:t>和二进制工具链发行版</a:t>
+            </a:r>
+            <a:endParaRPr lang="en-US" altLang="zh-CN" dirty="0"/>
+          </a:p>
+          <a:p>
+            <a:r>
+              <a:rPr lang="zh-CN" altLang="en-US" dirty="0"/>
+              <a:t>安全</a:t>
+            </a:r>
+            <a:endParaRPr lang="en-US" altLang="zh-CN" dirty="0"/>
+          </a:p>
+          <a:p>
+            <a:r>
+              <a:rPr lang="zh-CN" altLang="en-US" dirty="0"/>
+              <a:t>机器学习</a:t>
+            </a:r>
+            <a:r>
+              <a:rPr lang="en-US" altLang="zh-CN" dirty="0"/>
+              <a:t>/</a:t>
+            </a:r>
+            <a:r>
+              <a:rPr lang="zh-CN" altLang="en-US" dirty="0"/>
+              <a:t>人工智能</a:t>
+            </a:r>
+            <a:endParaRPr lang="en-US" dirty="0"/>
+          </a:p>
+        </p:txBody>
+      </p:sp>
+    </p:spTree>
+    <p:extLst>
+      <p:ext uri="{BB962C8B-B14F-4D97-AF65-F5344CB8AC3E}">
+        <p14:creationId xmlns:p14="http://schemas.microsoft.com/office/powerpoint/2010/main" val="835150178"/>
+      </p:ext>
+    </p:extLst>
+  </p:cSld>
+  <p:clrMapOvr>
+    <a:masterClrMapping/>
+  </p:clrMapOvr>
+  <p:transition/>
+</p:sld>
+</file>
+
+<file path=ppt/slides/slide11.xml><?xml version="1.0" encoding="utf-8"?>
+<p:sld xmlns:a="http://schemas.openxmlformats.org/drawingml/2006/main" xmlns:r="http://schemas.openxmlformats.org/officeDocument/2006/relationships" xmlns:p="http://schemas.openxmlformats.org/presentationml/2006/main">
+  <p:cSld>
+    <p:spTree>
+      <p:nvGrpSpPr>
+        <p:cNvPr id="1" name=""/>
+        <p:cNvGrpSpPr/>
+        <p:nvPr/>
+      </p:nvGrpSpPr>
+      <p:grpSpPr>
+        <a:xfrm>
+          <a:off x="0" y="0"/>
+          <a:ext cx="0" cy="0"/>
+          <a:chOff x="0" y="0"/>
+          <a:chExt cx="0" cy="0"/>
+        </a:xfrm>
+      </p:grpSpPr>
+      <p:sp>
+        <p:nvSpPr>
+          <p:cNvPr id="2" name="标题 1">
+            <a:extLst>
+              <a:ext uri="{FF2B5EF4-FFF2-40B4-BE49-F238E27FC236}">
+                <a16:creationId xmlns:a16="http://schemas.microsoft.com/office/drawing/2014/main" id="{50D9D042-7815-D36A-A0C0-1ED8F5238099}"/>
+              </a:ext>
+            </a:extLst>
+          </p:cNvPr>
+          <p:cNvSpPr>
+            <a:spLocks noGrp="1"/>
+          </p:cNvSpPr>
+          <p:nvPr>
+            <p:ph type="title"/>
+          </p:nvPr>
+        </p:nvSpPr>
+        <p:spPr/>
+        <p:txBody>
+          <a:bodyPr/>
+          <a:lstStyle/>
+          <a:p>
+            <a:r>
+              <a:rPr lang="en-US" dirty="0"/>
+              <a:t>RISC-V </a:t>
+            </a:r>
+            <a:r>
+              <a:rPr lang="zh-CN" altLang="en-US" dirty="0"/>
+              <a:t>软件生态</a:t>
+            </a:r>
+            <a:endParaRPr lang="en-US" dirty="0"/>
+          </a:p>
+        </p:txBody>
+      </p:sp>
+      <p:sp>
+        <p:nvSpPr>
+          <p:cNvPr id="3" name="内容占位符 2">
+            <a:extLst>
+              <a:ext uri="{FF2B5EF4-FFF2-40B4-BE49-F238E27FC236}">
+                <a16:creationId xmlns:a16="http://schemas.microsoft.com/office/drawing/2014/main" id="{8283090E-8984-1E22-026B-E552AD76C9EE}"/>
+              </a:ext>
+            </a:extLst>
+          </p:cNvPr>
+          <p:cNvSpPr>
+            <a:spLocks noGrp="1"/>
+          </p:cNvSpPr>
+          <p:nvPr>
+            <p:ph idx="1"/>
+          </p:nvPr>
+        </p:nvSpPr>
+        <p:spPr/>
+        <p:txBody>
+          <a:bodyPr/>
+          <a:lstStyle/>
+          <a:p>
+            <a:r>
+              <a:rPr lang="zh-CN" altLang="en-US" dirty="0"/>
+              <a:t>配置验证工具</a:t>
+            </a:r>
+            <a:endParaRPr lang="en-US" altLang="zh-CN" dirty="0"/>
+          </a:p>
+          <a:p>
+            <a:r>
+              <a:rPr lang="zh-CN" altLang="en-US" dirty="0"/>
+              <a:t>加速库</a:t>
+            </a:r>
+            <a:endParaRPr lang="en-US" dirty="0"/>
+          </a:p>
+        </p:txBody>
+      </p:sp>
+      <p:sp>
+        <p:nvSpPr>
+          <p:cNvPr id="4" name="灯片编号占位符 3">
+            <a:extLst>
+              <a:ext uri="{FF2B5EF4-FFF2-40B4-BE49-F238E27FC236}">
+                <a16:creationId xmlns:a16="http://schemas.microsoft.com/office/drawing/2014/main" id="{DCDA2B0F-CBE6-CBBB-1E81-7FA52363AD24}"/>
+              </a:ext>
+            </a:extLst>
+          </p:cNvPr>
+          <p:cNvSpPr>
+            <a:spLocks noGrp="1"/>
+          </p:cNvSpPr>
+          <p:nvPr>
+            <p:ph type="sldNum" sz="quarter" idx="12"/>
+          </p:nvPr>
+        </p:nvSpPr>
+        <p:spPr/>
+        <p:txBody>
+          <a:bodyPr/>
+          <a:lstStyle/>
+          <a:p>
+            <a:pPr>
+              <a:defRPr/>
+            </a:pPr>
+            <a:fld id="{581DD3E0-5F7C-46B2-AE3F-E81668104769}" type="slidenum">
+              <a:rPr lang="en-US" altLang="zh-CN" smtClean="0"/>
+              <a:pPr>
+                <a:defRPr/>
+              </a:pPr>
+              <a:t>11</a:t>
+            </a:fld>
+            <a:endParaRPr lang="en-US" altLang="zh-CN"/>
+          </a:p>
+        </p:txBody>
+      </p:sp>
+    </p:spTree>
+    <p:extLst>
+      <p:ext uri="{BB962C8B-B14F-4D97-AF65-F5344CB8AC3E}">
+        <p14:creationId xmlns:p14="http://schemas.microsoft.com/office/powerpoint/2010/main" val="3397961154"/>
+      </p:ext>
+    </p:extLst>
+  </p:cSld>
+  <p:clrMapOvr>
+    <a:masterClrMapping/>
+  </p:clrMapOvr>
+  <p:transition/>
+</p:sld>
+</file>
+
+<file path=ppt/slides/slide12.xml><?xml version="1.0" encoding="utf-8"?>
+<p:sld xmlns:a="http://schemas.openxmlformats.org/drawingml/2006/main" xmlns:r="http://schemas.openxmlformats.org/officeDocument/2006/relationships" xmlns:p="http://schemas.openxmlformats.org/presentationml/2006/main">
+  <p:cSld>
+    <p:spTree>
+      <p:nvGrpSpPr>
+        <p:cNvPr id="1" name=""/>
+        <p:cNvGrpSpPr/>
+        <p:nvPr/>
+      </p:nvGrpSpPr>
+      <p:grpSpPr>
+        <a:xfrm>
+          <a:off x="0" y="0"/>
+          <a:ext cx="0" cy="0"/>
+          <a:chOff x="0" y="0"/>
+          <a:chExt cx="0" cy="0"/>
+        </a:xfrm>
+      </p:grpSpPr>
+      <p:sp>
+        <p:nvSpPr>
+          <p:cNvPr id="2" name="标题 1">
+            <a:extLst>
+              <a:ext uri="{FF2B5EF4-FFF2-40B4-BE49-F238E27FC236}">
+                <a16:creationId xmlns:a16="http://schemas.microsoft.com/office/drawing/2014/main" id="{4CFA0DCB-99E1-21A7-966F-BDD4CEF8C27D}"/>
+              </a:ext>
+            </a:extLst>
+          </p:cNvPr>
+          <p:cNvSpPr>
+            <a:spLocks noGrp="1"/>
+          </p:cNvSpPr>
+          <p:nvPr>
+            <p:ph type="title"/>
+          </p:nvPr>
+        </p:nvSpPr>
+        <p:spPr/>
+        <p:txBody>
+          <a:bodyPr/>
+          <a:lstStyle/>
+          <a:p>
+            <a:r>
+              <a:rPr lang="en-US" dirty="0"/>
+              <a:t>RISC-V </a:t>
+            </a:r>
+            <a:r>
+              <a:rPr lang="zh-CN" altLang="en-US" dirty="0"/>
+              <a:t>软件生态</a:t>
+            </a:r>
+            <a:endParaRPr lang="en-US" dirty="0"/>
+          </a:p>
+        </p:txBody>
+      </p:sp>
+      <p:pic>
+        <p:nvPicPr>
+          <p:cNvPr id="6" name="内容占位符 5">
+            <a:extLst>
+              <a:ext uri="{FF2B5EF4-FFF2-40B4-BE49-F238E27FC236}">
+                <a16:creationId xmlns:a16="http://schemas.microsoft.com/office/drawing/2014/main" id="{B9EAF8FC-6645-AABA-9704-D6412EE86840}"/>
+              </a:ext>
+            </a:extLst>
+          </p:cNvPr>
+          <p:cNvPicPr>
+            <a:picLocks noGrp="1" noChangeAspect="1"/>
+          </p:cNvPicPr>
+          <p:nvPr>
+            <p:ph idx="1"/>
+          </p:nvPr>
+        </p:nvPicPr>
+        <p:blipFill>
+          <a:blip r:embed="rId3"/>
+          <a:stretch>
+            <a:fillRect/>
+          </a:stretch>
+        </p:blipFill>
+        <p:spPr>
+          <a:xfrm>
+            <a:off x="272480" y="1385729"/>
+            <a:ext cx="8534136" cy="4919122"/>
+          </a:xfrm>
+        </p:spPr>
+      </p:pic>
+      <p:sp>
+        <p:nvSpPr>
+          <p:cNvPr id="4" name="灯片编号占位符 3">
+            <a:extLst>
+              <a:ext uri="{FF2B5EF4-FFF2-40B4-BE49-F238E27FC236}">
+                <a16:creationId xmlns:a16="http://schemas.microsoft.com/office/drawing/2014/main" id="{236D83A2-436F-4F2B-3A21-55BEA956D8AF}"/>
+              </a:ext>
+            </a:extLst>
+          </p:cNvPr>
+          <p:cNvSpPr>
+            <a:spLocks noGrp="1"/>
+          </p:cNvSpPr>
+          <p:nvPr>
+            <p:ph type="sldNum" sz="quarter" idx="12"/>
+          </p:nvPr>
+        </p:nvSpPr>
+        <p:spPr/>
+        <p:txBody>
+          <a:bodyPr/>
+          <a:lstStyle/>
+          <a:p>
+            <a:pPr>
+              <a:defRPr/>
+            </a:pPr>
+            <a:fld id="{581DD3E0-5F7C-46B2-AE3F-E81668104769}" type="slidenum">
+              <a:rPr lang="en-US" altLang="zh-CN" smtClean="0"/>
+              <a:pPr>
+                <a:defRPr/>
+              </a:pPr>
+              <a:t>12</a:t>
+            </a:fld>
+            <a:endParaRPr lang="en-US" altLang="zh-CN"/>
+          </a:p>
+        </p:txBody>
+      </p:sp>
+    </p:spTree>
+    <p:extLst>
+      <p:ext uri="{BB962C8B-B14F-4D97-AF65-F5344CB8AC3E}">
+        <p14:creationId xmlns:p14="http://schemas.microsoft.com/office/powerpoint/2010/main" val="3769970089"/>
+      </p:ext>
+    </p:extLst>
+  </p:cSld>
+  <p:clrMapOvr>
+    <a:masterClrMapping/>
+  </p:clrMapOvr>
+  <p:transition/>
+</p:sld>
+</file>
+
+<file path=ppt/slides/slide13.xml><?xml version="1.0" encoding="utf-8"?>
+<p:sld xmlns:a="http://schemas.openxmlformats.org/drawingml/2006/main" xmlns:r="http://schemas.openxmlformats.org/officeDocument/2006/relationships" xmlns:p="http://schemas.openxmlformats.org/presentationml/2006/main">
+  <p:cSld>
+    <p:spTree>
+      <p:nvGrpSpPr>
+        <p:cNvPr id="1" name=""/>
+        <p:cNvGrpSpPr/>
+        <p:nvPr/>
+      </p:nvGrpSpPr>
+      <p:grpSpPr>
+        <a:xfrm>
+          <a:off x="0" y="0"/>
+          <a:ext cx="0" cy="0"/>
+          <a:chOff x="0" y="0"/>
+          <a:chExt cx="0" cy="0"/>
+        </a:xfrm>
+      </p:grpSpPr>
+      <p:sp>
+        <p:nvSpPr>
+          <p:cNvPr id="2" name="标题 1">
+            <a:extLst>
+              <a:ext uri="{FF2B5EF4-FFF2-40B4-BE49-F238E27FC236}">
+                <a16:creationId xmlns:a16="http://schemas.microsoft.com/office/drawing/2014/main" id="{4CFA0DCB-99E1-21A7-966F-BDD4CEF8C27D}"/>
+              </a:ext>
+            </a:extLst>
+          </p:cNvPr>
+          <p:cNvSpPr>
+            <a:spLocks noGrp="1"/>
+          </p:cNvSpPr>
+          <p:nvPr>
+            <p:ph type="title"/>
+          </p:nvPr>
+        </p:nvSpPr>
+        <p:spPr/>
+        <p:txBody>
+          <a:bodyPr/>
+          <a:lstStyle/>
+          <a:p>
+            <a:r>
+              <a:rPr lang="en-US" dirty="0"/>
+              <a:t>RISC-V </a:t>
+            </a:r>
+            <a:r>
+              <a:rPr lang="zh-CN" altLang="en-US" dirty="0"/>
+              <a:t>软件生态</a:t>
+            </a:r>
+            <a:endParaRPr lang="en-US" dirty="0"/>
+          </a:p>
+        </p:txBody>
+      </p:sp>
+      <p:sp>
+        <p:nvSpPr>
+          <p:cNvPr id="3" name="内容占位符 2">
+            <a:extLst>
+              <a:ext uri="{FF2B5EF4-FFF2-40B4-BE49-F238E27FC236}">
+                <a16:creationId xmlns:a16="http://schemas.microsoft.com/office/drawing/2014/main" id="{708A0AC7-5F98-D93B-2E21-231008424487}"/>
+              </a:ext>
+            </a:extLst>
+          </p:cNvPr>
+          <p:cNvSpPr>
+            <a:spLocks noGrp="1"/>
+          </p:cNvSpPr>
+          <p:nvPr>
+            <p:ph idx="1"/>
+          </p:nvPr>
+        </p:nvSpPr>
+        <p:spPr/>
+        <p:txBody>
+          <a:bodyPr/>
+          <a:lstStyle/>
+          <a:p>
+            <a:endParaRPr lang="en-US" dirty="0"/>
+          </a:p>
+        </p:txBody>
+      </p:sp>
+      <p:sp>
+        <p:nvSpPr>
+          <p:cNvPr id="4" name="灯片编号占位符 3">
+            <a:extLst>
+              <a:ext uri="{FF2B5EF4-FFF2-40B4-BE49-F238E27FC236}">
+                <a16:creationId xmlns:a16="http://schemas.microsoft.com/office/drawing/2014/main" id="{236D83A2-436F-4F2B-3A21-55BEA956D8AF}"/>
+              </a:ext>
+            </a:extLst>
+          </p:cNvPr>
+          <p:cNvSpPr>
+            <a:spLocks noGrp="1"/>
+          </p:cNvSpPr>
+          <p:nvPr>
+            <p:ph type="sldNum" sz="quarter" idx="12"/>
+          </p:nvPr>
+        </p:nvSpPr>
+        <p:spPr/>
+        <p:txBody>
+          <a:bodyPr/>
+          <a:lstStyle/>
+          <a:p>
+            <a:pPr>
+              <a:defRPr/>
+            </a:pPr>
+            <a:fld id="{581DD3E0-5F7C-46B2-AE3F-E81668104769}" type="slidenum">
+              <a:rPr lang="en-US" altLang="zh-CN" smtClean="0"/>
+              <a:pPr>
+                <a:defRPr/>
+              </a:pPr>
+              <a:t>13</a:t>
+            </a:fld>
+            <a:endParaRPr lang="en-US" altLang="zh-CN"/>
+          </a:p>
+        </p:txBody>
+      </p:sp>
+      <p:pic>
+        <p:nvPicPr>
+          <p:cNvPr id="6" name="图片 5">
+            <a:extLst>
+              <a:ext uri="{FF2B5EF4-FFF2-40B4-BE49-F238E27FC236}">
+                <a16:creationId xmlns:a16="http://schemas.microsoft.com/office/drawing/2014/main" id="{6BAD4C3C-AEBF-59E6-D52C-C109EE4C7893}"/>
+              </a:ext>
+            </a:extLst>
+          </p:cNvPr>
+          <p:cNvPicPr>
+            <a:picLocks noChangeAspect="1"/>
+          </p:cNvPicPr>
+          <p:nvPr/>
+        </p:nvPicPr>
+        <p:blipFill>
+          <a:blip r:embed="rId3"/>
+          <a:stretch>
+            <a:fillRect/>
+          </a:stretch>
+        </p:blipFill>
+        <p:spPr>
+          <a:xfrm>
+            <a:off x="435843" y="1221141"/>
+            <a:ext cx="7901533" cy="5154708"/>
+          </a:xfrm>
+          <a:prstGeom prst="rect">
+            <a:avLst/>
+          </a:prstGeom>
+        </p:spPr>
+      </p:pic>
+    </p:spTree>
+    <p:extLst>
+      <p:ext uri="{BB962C8B-B14F-4D97-AF65-F5344CB8AC3E}">
+        <p14:creationId xmlns:p14="http://schemas.microsoft.com/office/powerpoint/2010/main" val="2313839239"/>
+      </p:ext>
+    </p:extLst>
+  </p:cSld>
+  <p:clrMapOvr>
+    <a:masterClrMapping/>
+  </p:clrMapOvr>
+  <p:transition/>
+</p:sld>
+</file>
+
+<file path=ppt/slides/slide14.xml><?xml version="1.0" encoding="utf-8"?>
+<p:sld xmlns:a="http://schemas.openxmlformats.org/drawingml/2006/main" xmlns:r="http://schemas.openxmlformats.org/officeDocument/2006/relationships" xmlns:p="http://schemas.openxmlformats.org/presentationml/2006/main">
+  <p:cSld>
+    <p:spTree>
+      <p:nvGrpSpPr>
+        <p:cNvPr id="1" name=""/>
+        <p:cNvGrpSpPr/>
+        <p:nvPr/>
+      </p:nvGrpSpPr>
+      <p:grpSpPr>
+        <a:xfrm>
+          <a:off x="0" y="0"/>
+          <a:ext cx="0" cy="0"/>
+          <a:chOff x="0" y="0"/>
+          <a:chExt cx="0" cy="0"/>
+        </a:xfrm>
+      </p:grpSpPr>
+      <p:sp>
+        <p:nvSpPr>
+          <p:cNvPr id="2" name="标题 1">
+            <a:extLst>
+              <a:ext uri="{FF2B5EF4-FFF2-40B4-BE49-F238E27FC236}">
+                <a16:creationId xmlns:a16="http://schemas.microsoft.com/office/drawing/2014/main" id="{4621580D-6480-A80D-AD26-847470B6683F}"/>
+              </a:ext>
+            </a:extLst>
+          </p:cNvPr>
+          <p:cNvSpPr>
+            <a:spLocks noGrp="1"/>
+          </p:cNvSpPr>
+          <p:nvPr>
+            <p:ph type="title"/>
+          </p:nvPr>
+        </p:nvSpPr>
+        <p:spPr/>
+        <p:txBody>
+          <a:bodyPr/>
+          <a:lstStyle/>
+          <a:p>
+            <a:endParaRPr lang="en-US"/>
+          </a:p>
+        </p:txBody>
+      </p:sp>
+      <p:sp>
+        <p:nvSpPr>
+          <p:cNvPr id="4" name="灯片编号占位符 3">
+            <a:extLst>
+              <a:ext uri="{FF2B5EF4-FFF2-40B4-BE49-F238E27FC236}">
+                <a16:creationId xmlns:a16="http://schemas.microsoft.com/office/drawing/2014/main" id="{8B31FEF7-4ADA-D2B3-7828-FC25DCD1AACF}"/>
+              </a:ext>
+            </a:extLst>
+          </p:cNvPr>
+          <p:cNvSpPr>
+            <a:spLocks noGrp="1"/>
+          </p:cNvSpPr>
+          <p:nvPr>
+            <p:ph type="sldNum" sz="quarter" idx="12"/>
+          </p:nvPr>
+        </p:nvSpPr>
+        <p:spPr/>
+        <p:txBody>
+          <a:bodyPr/>
+          <a:lstStyle/>
+          <a:p>
+            <a:pPr>
+              <a:defRPr/>
+            </a:pPr>
+            <a:fld id="{581DD3E0-5F7C-46B2-AE3F-E81668104769}" type="slidenum">
+              <a:rPr lang="en-US" altLang="zh-CN" smtClean="0"/>
+              <a:pPr>
+                <a:defRPr/>
+              </a:pPr>
+              <a:t>14</a:t>
+            </a:fld>
+            <a:endParaRPr lang="en-US" altLang="zh-CN"/>
+          </a:p>
+        </p:txBody>
+      </p:sp>
+      <p:sp>
+        <p:nvSpPr>
+          <p:cNvPr id="7" name="内容占位符 6">
+            <a:extLst>
+              <a:ext uri="{FF2B5EF4-FFF2-40B4-BE49-F238E27FC236}">
+                <a16:creationId xmlns:a16="http://schemas.microsoft.com/office/drawing/2014/main" id="{391BDF5A-9A47-8D59-4377-D1FDDCCB7642}"/>
+              </a:ext>
+            </a:extLst>
+          </p:cNvPr>
+          <p:cNvSpPr>
+            <a:spLocks noGrp="1"/>
+          </p:cNvSpPr>
+          <p:nvPr>
+            <p:ph idx="1"/>
+          </p:nvPr>
+        </p:nvSpPr>
+        <p:spPr>
+          <a:xfrm>
+            <a:off x="3080792" y="2996952"/>
+            <a:ext cx="8928100" cy="4608513"/>
+          </a:xfrm>
+        </p:spPr>
+        <p:txBody>
+          <a:bodyPr/>
+          <a:lstStyle/>
+          <a:p>
+            <a:pPr marL="0" indent="0">
+              <a:buNone/>
+            </a:pPr>
+            <a:r>
+              <a:rPr lang="en-US" sz="6600" dirty="0"/>
+              <a:t>T</a:t>
+            </a:r>
+            <a:r>
+              <a:rPr lang="en-US" altLang="zh-CN" sz="6600" dirty="0"/>
+              <a:t>hanks</a:t>
+            </a:r>
+            <a:endParaRPr lang="en-US" sz="6600" dirty="0"/>
+          </a:p>
+        </p:txBody>
+      </p:sp>
+    </p:spTree>
+    <p:extLst>
+      <p:ext uri="{BB962C8B-B14F-4D97-AF65-F5344CB8AC3E}">
+        <p14:creationId xmlns:p14="http://schemas.microsoft.com/office/powerpoint/2010/main" val="3133966791"/>
+      </p:ext>
+    </p:extLst>
+  </p:cSld>
+  <p:clrMapOvr>
+    <a:masterClrMapping/>
+  </p:clrMapOvr>
+  <p:transition/>
+</p:sld>
+</file>
+
 <file path=ppt/slides/slide2.xml><?xml version="1.0" encoding="utf-8"?>
 <p:sld xmlns:a="http://schemas.openxmlformats.org/drawingml/2006/main" xmlns:r="http://schemas.openxmlformats.org/officeDocument/2006/relationships" xmlns:p="http://schemas.openxmlformats.org/presentationml/2006/main">
   <p:cSld>
@@ -5181,7 +6337,7 @@
                 </a:solidFill>
                 <a:ea typeface="宋体" charset="-122"/>
               </a:rPr>
-              <a:t>软硬件生态</a:t>
+              <a:t>硬件生态</a:t>
             </a:r>
             <a:endParaRPr lang="en-US" altLang="zh-CN" dirty="0">
               <a:solidFill>
@@ -5243,7 +6399,7 @@
                 </a:solidFill>
                 <a:ea typeface="宋体" charset="-122"/>
               </a:rPr>
-              <a:t>软硬件生态</a:t>
+              <a:t>软件生态</a:t>
             </a:r>
             <a:endParaRPr lang="zh-CN" altLang="en-US" dirty="0">
               <a:solidFill>
@@ -5352,10 +6508,113 @@
       </p:grpSpPr>
       <p:sp>
         <p:nvSpPr>
-          <p:cNvPr id="2" name="标题 1">
+          <p:cNvPr id="5123" name="Rectangle 5"/>
+          <p:cNvSpPr>
+            <a:spLocks noGrp="1" noChangeArrowheads="1"/>
+          </p:cNvSpPr>
+          <p:nvPr>
+            <p:ph type="body" idx="4294967295"/>
+          </p:nvPr>
+        </p:nvSpPr>
+        <p:spPr>
+          <a:xfrm>
+            <a:off x="2720752" y="2971800"/>
+            <a:ext cx="8015709" cy="1898649"/>
+          </a:xfrm>
+          <a:noFill/>
+        </p:spPr>
+        <p:txBody>
+          <a:bodyPr/>
+          <a:lstStyle/>
+          <a:p>
+            <a:pPr marL="0" indent="0" eaLnBrk="1" hangingPunct="1">
+              <a:lnSpc>
+                <a:spcPct val="90000"/>
+              </a:lnSpc>
+              <a:buNone/>
+            </a:pPr>
+            <a:r>
+              <a:rPr lang="en-US" altLang="zh-CN" sz="4400" dirty="0">
+                <a:solidFill>
+                  <a:srgbClr val="3D5C00"/>
+                </a:solidFill>
+                <a:ea typeface="宋体" charset="-122"/>
+              </a:rPr>
+              <a:t>RISC-V</a:t>
+            </a:r>
+            <a:r>
+              <a:rPr lang="zh-CN" altLang="en-US" sz="4400" dirty="0">
+                <a:solidFill>
+                  <a:srgbClr val="3D5C00"/>
+                </a:solidFill>
+                <a:ea typeface="宋体" charset="-122"/>
+              </a:rPr>
+              <a:t>硬件生态</a:t>
+            </a:r>
+            <a:endParaRPr lang="en-US" altLang="zh-CN" sz="4400" dirty="0">
+              <a:solidFill>
+                <a:srgbClr val="3D5C00"/>
+              </a:solidFill>
+              <a:ea typeface="宋体" charset="-122"/>
+            </a:endParaRPr>
+          </a:p>
+          <a:p>
+            <a:pPr eaLnBrk="1" hangingPunct="1">
+              <a:lnSpc>
+                <a:spcPct val="90000"/>
+              </a:lnSpc>
+            </a:pPr>
+            <a:endParaRPr lang="en-US" altLang="zh-CN" dirty="0">
+              <a:solidFill>
+                <a:srgbClr val="3D5C00"/>
+              </a:solidFill>
+              <a:ea typeface="宋体" charset="-122"/>
+            </a:endParaRPr>
+          </a:p>
+          <a:p>
+            <a:pPr marL="0" indent="0" eaLnBrk="1" hangingPunct="1">
+              <a:lnSpc>
+                <a:spcPct val="90000"/>
+              </a:lnSpc>
+              <a:buNone/>
+            </a:pPr>
+            <a:endParaRPr lang="en-US" dirty="0">
+              <a:solidFill>
+                <a:srgbClr val="3D5C00"/>
+              </a:solidFill>
+              <a:ea typeface="宋体" charset="-122"/>
+            </a:endParaRPr>
+          </a:p>
+          <a:p>
+            <a:pPr lvl="1" eaLnBrk="1" hangingPunct="1">
+              <a:lnSpc>
+                <a:spcPct val="90000"/>
+              </a:lnSpc>
+            </a:pPr>
+            <a:endParaRPr lang="en-US" sz="1800" dirty="0">
+              <a:ea typeface="宋体" charset="-122"/>
+            </a:endParaRPr>
+          </a:p>
+          <a:p>
+            <a:pPr eaLnBrk="1" hangingPunct="1">
+              <a:lnSpc>
+                <a:spcPct val="90000"/>
+              </a:lnSpc>
+              <a:buFont typeface="Wingdings" pitchFamily="2" charset="2"/>
+              <a:buNone/>
+            </a:pPr>
+            <a:endParaRPr lang="zh-CN" altLang="en-US" sz="1800" dirty="0">
+              <a:ea typeface="宋体" charset="-122"/>
+            </a:endParaRPr>
+          </a:p>
+        </p:txBody>
+      </p:sp>
+      <p:sp>
+        <p:nvSpPr>
+          <p:cNvPr id="2" name="灯片编号占位符 1">
             <a:extLst>
               <a:ext uri="{FF2B5EF4-FFF2-40B4-BE49-F238E27FC236}">
-                <a16:creationId xmlns:a16="http://schemas.microsoft.com/office/drawing/2014/main" id="{401CB407-F6B9-27BB-03DC-02C2049BC47C}"/>
+                <a16:creationId xmlns:a16="http://schemas.microsoft.com/office/drawing/2014/main" id="{D4A3F2F0-AEA2-40CD-8A4C-B59080E3DA0A}"/>
               </a:ext>
             </a:extLst>
           </p:cNvPr>
@@ -5363,99 +6622,6 @@
             <a:spLocks noGrp="1"/>
           </p:cNvSpPr>
           <p:nvPr>
-            <p:ph type="title"/>
-          </p:nvPr>
-        </p:nvSpPr>
-        <p:spPr/>
-        <p:txBody>
-          <a:bodyPr/>
-          <a:lstStyle/>
-          <a:p>
-            <a:pPr algn="ctr"/>
-            <a:r>
-              <a:rPr lang="en-US" dirty="0">
-                <a:effectLst>
-                  <a:outerShdw blurRad="38100" dist="38100" dir="2700000" algn="tl">
-                    <a:srgbClr val="000000">
-                      <a:alpha val="43137"/>
-                    </a:srgbClr>
-                  </a:outerShdw>
-                </a:effectLst>
-              </a:rPr>
-              <a:t>RISC-V</a:t>
-            </a:r>
-            <a:r>
-              <a:rPr lang="zh-CN" altLang="en-US" dirty="0">
-                <a:effectLst>
-                  <a:outerShdw blurRad="38100" dist="38100" dir="2700000" algn="tl">
-                    <a:srgbClr val="000000">
-                      <a:alpha val="43137"/>
-                    </a:srgbClr>
-                  </a:outerShdw>
-                </a:effectLst>
-              </a:rPr>
-              <a:t>硬件生态</a:t>
-            </a:r>
-            <a:endParaRPr lang="en-US" dirty="0">
-              <a:effectLst>
-                <a:outerShdw blurRad="38100" dist="38100" dir="2700000" algn="tl">
-                  <a:srgbClr val="000000">
-                    <a:alpha val="43137"/>
-                  </a:srgbClr>
-                </a:outerShdw>
-              </a:effectLst>
-            </a:endParaRPr>
-          </a:p>
-        </p:txBody>
-      </p:sp>
-      <p:pic>
-        <p:nvPicPr>
-          <p:cNvPr id="6" name="内容占位符 5" descr="电子设备的屏幕&#10;&#10;描述已自动生成">
-            <a:extLst>
-              <a:ext uri="{FF2B5EF4-FFF2-40B4-BE49-F238E27FC236}">
-                <a16:creationId xmlns:a16="http://schemas.microsoft.com/office/drawing/2014/main" id="{BE2F8C4B-DB6A-0C36-8870-14C5D4168AD7}"/>
-              </a:ext>
-            </a:extLst>
-          </p:cNvPr>
-          <p:cNvPicPr>
-            <a:picLocks noGrp="1" noChangeAspect="1"/>
-          </p:cNvPicPr>
-          <p:nvPr>
-            <p:ph idx="1"/>
-          </p:nvPr>
-        </p:nvPicPr>
-        <p:blipFill>
-          <a:blip r:embed="rId2">
-            <a:extLst>
-              <a:ext uri="{28A0092B-C50C-407E-A947-70E740481C1C}">
-                <a14:useLocalDpi xmlns:a14="http://schemas.microsoft.com/office/drawing/2010/main" val="0"/>
-              </a:ext>
-            </a:extLst>
-          </a:blip>
-          <a:stretch>
-            <a:fillRect/>
-          </a:stretch>
-        </p:blipFill>
-        <p:spPr>
-          <a:xfrm>
-            <a:off x="5889104" y="1370407"/>
-            <a:ext cx="3447765" cy="4608513"/>
-          </a:xfrm>
-        </p:spPr>
-      </p:pic>
-      <p:sp>
-        <p:nvSpPr>
-          <p:cNvPr id="4" name="灯片编号占位符 3">
-            <a:extLst>
-              <a:ext uri="{FF2B5EF4-FFF2-40B4-BE49-F238E27FC236}">
-                <a16:creationId xmlns:a16="http://schemas.microsoft.com/office/drawing/2014/main" id="{B9B2E493-6822-D58A-E291-9B2A790CB9CD}"/>
-              </a:ext>
-            </a:extLst>
-          </p:cNvPr>
-          <p:cNvSpPr>
-            <a:spLocks noGrp="1"/>
-          </p:cNvSpPr>
-          <p:nvPr>
             <p:ph type="sldNum" sz="quarter" idx="12"/>
           </p:nvPr>
         </p:nvSpPr>
@@ -5467,7 +6633,7 @@
             <a:pPr>
               <a:defRPr/>
             </a:pPr>
-            <a:fld id="{581DD3E0-5F7C-46B2-AE3F-E81668104769}" type="slidenum">
+            <a:fld id="{F3E041F5-C80F-41AD-85A6-1DB15A00DDFA}" type="slidenum">
               <a:rPr lang="en-US" altLang="zh-CN" smtClean="0"/>
               <a:pPr>
                 <a:defRPr/>
@@ -5478,350 +6644,16 @@
           </a:p>
         </p:txBody>
       </p:sp>
-      <p:sp>
-        <p:nvSpPr>
-          <p:cNvPr id="7" name="文本框 6">
-            <a:extLst>
-              <a:ext uri="{FF2B5EF4-FFF2-40B4-BE49-F238E27FC236}">
-                <a16:creationId xmlns:a16="http://schemas.microsoft.com/office/drawing/2014/main" id="{9C7F9CD6-D33A-C9E2-152D-133EE81B819D}"/>
-              </a:ext>
-            </a:extLst>
-          </p:cNvPr>
-          <p:cNvSpPr txBox="1"/>
-          <p:nvPr/>
-        </p:nvSpPr>
-        <p:spPr>
-          <a:xfrm>
-            <a:off x="577238" y="1431509"/>
-            <a:ext cx="4819742" cy="4893647"/>
-          </a:xfrm>
-          <a:prstGeom prst="rect">
-            <a:avLst/>
-          </a:prstGeom>
-          <a:noFill/>
-        </p:spPr>
-        <p:txBody>
-          <a:bodyPr wrap="square" rtlCol="0">
-            <a:spAutoFit/>
-          </a:bodyPr>
-          <a:lstStyle/>
-          <a:p>
-            <a:pPr algn="l"/>
-            <a:r>
-              <a:rPr lang="en-US" altLang="zh-CN" b="0" i="0" dirty="0">
-                <a:solidFill>
-                  <a:srgbClr val="4D5156"/>
-                </a:solidFill>
-                <a:effectLst/>
-                <a:latin typeface="arial" panose="020B0604020202020204" pitchFamily="34" charset="0"/>
-              </a:rPr>
-              <a:t>	</a:t>
-            </a:r>
-            <a:r>
-              <a:rPr lang="zh-CN" altLang="en-US" b="0" i="0" dirty="0">
-                <a:solidFill>
-                  <a:srgbClr val="4D5156"/>
-                </a:solidFill>
-                <a:effectLst/>
-                <a:latin typeface="arial" panose="020B0604020202020204" pitchFamily="34" charset="0"/>
-              </a:rPr>
-              <a:t>阿里巴巴旗下半导体公司平头哥发布了它的首款 </a:t>
-            </a:r>
-            <a:r>
-              <a:rPr lang="en-US" altLang="zh-CN" b="0" i="0" dirty="0">
-                <a:solidFill>
-                  <a:srgbClr val="4D5156"/>
-                </a:solidFill>
-                <a:effectLst/>
-                <a:latin typeface="arial" panose="020B0604020202020204" pitchFamily="34" charset="0"/>
-              </a:rPr>
-              <a:t>RISC-V </a:t>
-            </a:r>
-            <a:r>
-              <a:rPr lang="zh-CN" altLang="en-US" b="0" i="0" dirty="0">
-                <a:solidFill>
-                  <a:srgbClr val="4D5156"/>
-                </a:solidFill>
-                <a:effectLst/>
-                <a:latin typeface="arial" panose="020B0604020202020204" pitchFamily="34" charset="0"/>
-              </a:rPr>
-              <a:t>处理器“玄铁 </a:t>
-            </a:r>
-            <a:r>
-              <a:rPr lang="en-US" altLang="zh-CN" b="0" i="0" dirty="0">
-                <a:solidFill>
-                  <a:srgbClr val="4D5156"/>
-                </a:solidFill>
-                <a:effectLst/>
-                <a:latin typeface="arial" panose="020B0604020202020204" pitchFamily="34" charset="0"/>
-              </a:rPr>
-              <a:t>910”</a:t>
-            </a:r>
-            <a:r>
-              <a:rPr lang="zh-CN" altLang="en-US" b="0" i="0" dirty="0">
-                <a:solidFill>
-                  <a:srgbClr val="4D5156"/>
-                </a:solidFill>
-                <a:effectLst/>
-                <a:latin typeface="arial" panose="020B0604020202020204" pitchFamily="34" charset="0"/>
-              </a:rPr>
-              <a:t>（</a:t>
-            </a:r>
-            <a:r>
-              <a:rPr lang="en-US" altLang="zh-CN" b="0" i="0" dirty="0">
-                <a:solidFill>
-                  <a:srgbClr val="4D5156"/>
-                </a:solidFill>
-                <a:effectLst/>
-                <a:latin typeface="arial" panose="020B0604020202020204" pitchFamily="34" charset="0"/>
-              </a:rPr>
-              <a:t>XuanTie910</a:t>
-            </a:r>
-            <a:r>
-              <a:rPr lang="zh-CN" altLang="en-US" b="0" i="0" dirty="0">
-                <a:solidFill>
-                  <a:srgbClr val="4D5156"/>
-                </a:solidFill>
-                <a:effectLst/>
-                <a:latin typeface="arial" panose="020B0604020202020204" pitchFamily="34" charset="0"/>
-              </a:rPr>
-              <a:t>）。</a:t>
-            </a:r>
-            <a:endParaRPr lang="en-US" altLang="zh-CN" b="0" i="0" dirty="0">
-              <a:solidFill>
-                <a:srgbClr val="4D5156"/>
-              </a:solidFill>
-              <a:effectLst/>
-              <a:latin typeface="arial" panose="020B0604020202020204" pitchFamily="34" charset="0"/>
-            </a:endParaRPr>
-          </a:p>
-          <a:p>
-            <a:pPr algn="l"/>
-            <a:r>
-              <a:rPr lang="en-US" altLang="zh-CN" b="0" i="0" dirty="0">
-                <a:solidFill>
-                  <a:srgbClr val="4D5156"/>
-                </a:solidFill>
-                <a:effectLst/>
-                <a:latin typeface="arial" panose="020B0604020202020204" pitchFamily="34" charset="0"/>
-              </a:rPr>
-              <a:t>	</a:t>
-            </a:r>
-            <a:r>
-              <a:rPr lang="zh-CN" altLang="en-US" b="0" i="0" dirty="0">
-                <a:solidFill>
-                  <a:srgbClr val="4D5156"/>
-                </a:solidFill>
-                <a:effectLst/>
-                <a:latin typeface="arial" panose="020B0604020202020204" pitchFamily="34" charset="0"/>
-              </a:rPr>
-              <a:t>阿里巴巴称它是目前性能最强的 </a:t>
-            </a:r>
-            <a:r>
-              <a:rPr lang="en-US" altLang="zh-CN" b="0" i="0" dirty="0">
-                <a:solidFill>
-                  <a:srgbClr val="4D5156"/>
-                </a:solidFill>
-                <a:effectLst/>
-                <a:latin typeface="arial" panose="020B0604020202020204" pitchFamily="34" charset="0"/>
-              </a:rPr>
-              <a:t>RISC-V </a:t>
-            </a:r>
-            <a:r>
-              <a:rPr lang="zh-CN" altLang="en-US" b="0" i="0" dirty="0">
-                <a:solidFill>
-                  <a:srgbClr val="4D5156"/>
-                </a:solidFill>
-                <a:effectLst/>
-                <a:latin typeface="arial" panose="020B0604020202020204" pitchFamily="34" charset="0"/>
-              </a:rPr>
-              <a:t>处理器，支持</a:t>
-            </a:r>
-            <a:r>
-              <a:rPr lang="en-US" altLang="zh-CN" b="0" i="0" dirty="0">
-                <a:solidFill>
-                  <a:srgbClr val="4D5156"/>
-                </a:solidFill>
-                <a:effectLst/>
-                <a:latin typeface="arial" panose="020B0604020202020204" pitchFamily="34" charset="0"/>
-              </a:rPr>
-              <a:t>16</a:t>
-            </a:r>
-            <a:r>
-              <a:rPr lang="zh-CN" altLang="en-US" b="0" i="0" dirty="0">
-                <a:solidFill>
-                  <a:srgbClr val="4D5156"/>
-                </a:solidFill>
-                <a:effectLst/>
-                <a:latin typeface="arial" panose="020B0604020202020204" pitchFamily="34" charset="0"/>
-              </a:rPr>
-              <a:t>核，主频 </a:t>
-            </a:r>
-            <a:r>
-              <a:rPr lang="en-US" altLang="zh-CN" b="0" i="0" dirty="0">
-                <a:solidFill>
-                  <a:srgbClr val="4D5156"/>
-                </a:solidFill>
-                <a:effectLst/>
-                <a:latin typeface="arial" panose="020B0604020202020204" pitchFamily="34" charset="0"/>
-              </a:rPr>
-              <a:t>2.5GHz</a:t>
-            </a:r>
-            <a:r>
-              <a:rPr lang="zh-CN" altLang="en-US" b="0" i="0" dirty="0">
-                <a:solidFill>
-                  <a:srgbClr val="4D5156"/>
-                </a:solidFill>
-                <a:effectLst/>
-                <a:latin typeface="arial" panose="020B0604020202020204" pitchFamily="34" charset="0"/>
-              </a:rPr>
-              <a:t>，单核性能达到 </a:t>
-            </a:r>
-            <a:r>
-              <a:rPr lang="en-US" altLang="zh-CN" b="0" i="0" dirty="0">
-                <a:solidFill>
-                  <a:srgbClr val="4D5156"/>
-                </a:solidFill>
-                <a:effectLst/>
-                <a:latin typeface="arial" panose="020B0604020202020204" pitchFamily="34" charset="0"/>
-              </a:rPr>
-              <a:t>7.1 Coremark/MHz</a:t>
-            </a:r>
-          </a:p>
-          <a:p>
-            <a:pPr algn="l"/>
-            <a:r>
-              <a:rPr lang="en-US" altLang="zh-CN" b="0" dirty="0">
-                <a:solidFill>
-                  <a:srgbClr val="4D5156"/>
-                </a:solidFill>
-                <a:latin typeface="arial" panose="020B0604020202020204" pitchFamily="34" charset="0"/>
-              </a:rPr>
-              <a:t>	</a:t>
-            </a:r>
-            <a:r>
-              <a:rPr lang="zh-CN" altLang="en-US" b="0" dirty="0">
-                <a:solidFill>
-                  <a:srgbClr val="4D5156"/>
-                </a:solidFill>
-                <a:latin typeface="arial" panose="020B0604020202020204" pitchFamily="34" charset="0"/>
-              </a:rPr>
-              <a:t>是业界首个实现每周期 </a:t>
-            </a:r>
-            <a:r>
-              <a:rPr lang="en-US" altLang="zh-CN" b="0" dirty="0">
-                <a:solidFill>
-                  <a:srgbClr val="4D5156"/>
-                </a:solidFill>
-                <a:latin typeface="arial" panose="020B0604020202020204" pitchFamily="34" charset="0"/>
-              </a:rPr>
-              <a:t>2 </a:t>
-            </a:r>
-            <a:r>
-              <a:rPr lang="zh-CN" altLang="en-US" b="0" dirty="0">
-                <a:solidFill>
-                  <a:srgbClr val="4D5156"/>
-                </a:solidFill>
-                <a:latin typeface="arial" panose="020B0604020202020204" pitchFamily="34" charset="0"/>
-              </a:rPr>
-              <a:t>条内存访问的 </a:t>
-            </a:r>
-            <a:r>
-              <a:rPr lang="en-US" altLang="zh-CN" b="0" dirty="0">
-                <a:solidFill>
-                  <a:srgbClr val="4D5156"/>
-                </a:solidFill>
-                <a:latin typeface="arial" panose="020B0604020202020204" pitchFamily="34" charset="0"/>
-              </a:rPr>
-              <a:t>RISC-V </a:t>
-            </a:r>
-            <a:r>
-              <a:rPr lang="zh-CN" altLang="en-US" b="0" dirty="0">
-                <a:solidFill>
-                  <a:srgbClr val="4D5156"/>
-                </a:solidFill>
-                <a:latin typeface="arial" panose="020B0604020202020204" pitchFamily="34" charset="0"/>
-              </a:rPr>
-              <a:t>处理器；二是它基于 </a:t>
-            </a:r>
-            <a:r>
-              <a:rPr lang="en-US" altLang="zh-CN" b="0" dirty="0">
-                <a:solidFill>
-                  <a:srgbClr val="4D5156"/>
-                </a:solidFill>
-                <a:latin typeface="arial" panose="020B0604020202020204" pitchFamily="34" charset="0"/>
-              </a:rPr>
-              <a:t>RISC-V </a:t>
-            </a:r>
-            <a:r>
-              <a:rPr lang="zh-CN" altLang="en-US" b="0" dirty="0">
-                <a:solidFill>
-                  <a:srgbClr val="4D5156"/>
-                </a:solidFill>
-                <a:latin typeface="arial" panose="020B0604020202020204" pitchFamily="34" charset="0"/>
-              </a:rPr>
-              <a:t>扩展了 </a:t>
-            </a:r>
-            <a:r>
-              <a:rPr lang="en-US" altLang="zh-CN" b="0" dirty="0">
-                <a:solidFill>
-                  <a:srgbClr val="4D5156"/>
-                </a:solidFill>
-                <a:latin typeface="arial" panose="020B0604020202020204" pitchFamily="34" charset="0"/>
-              </a:rPr>
-              <a:t>50 </a:t>
-            </a:r>
-            <a:r>
-              <a:rPr lang="zh-CN" altLang="en-US" b="0" dirty="0">
-                <a:solidFill>
-                  <a:srgbClr val="4D5156"/>
-                </a:solidFill>
-                <a:latin typeface="arial" panose="020B0604020202020204" pitchFamily="34" charset="0"/>
-              </a:rPr>
-              <a:t>余条指令，系统性增强了 </a:t>
-            </a:r>
-            <a:r>
-              <a:rPr lang="en-US" altLang="zh-CN" b="0" dirty="0">
-                <a:solidFill>
-                  <a:srgbClr val="4D5156"/>
-                </a:solidFill>
-                <a:latin typeface="arial" panose="020B0604020202020204" pitchFamily="34" charset="0"/>
-              </a:rPr>
-              <a:t>RISC-V </a:t>
-            </a:r>
-            <a:r>
-              <a:rPr lang="zh-CN" altLang="en-US" b="0" dirty="0">
-                <a:solidFill>
-                  <a:srgbClr val="4D5156"/>
-                </a:solidFill>
-                <a:latin typeface="arial" panose="020B0604020202020204" pitchFamily="34" charset="0"/>
-              </a:rPr>
-              <a:t>的计算、存储和多核等方面能力。</a:t>
-            </a:r>
-            <a:endParaRPr lang="en-US" b="0" dirty="0">
-              <a:solidFill>
-                <a:srgbClr val="4D5156"/>
-              </a:solidFill>
-              <a:latin typeface="arial" panose="020B0604020202020204" pitchFamily="34" charset="0"/>
-            </a:endParaRPr>
-          </a:p>
-          <a:p>
-            <a:pPr algn="l"/>
-            <a:endParaRPr lang="en-US" dirty="0"/>
-          </a:p>
-        </p:txBody>
-      </p:sp>
     </p:spTree>
     <p:extLst>
       <p:ext uri="{BB962C8B-B14F-4D97-AF65-F5344CB8AC3E}">
-        <p14:creationId xmlns:p14="http://schemas.microsoft.com/office/powerpoint/2010/main" val="1065626816"/>
+        <p14:creationId xmlns:p14="http://schemas.microsoft.com/office/powerpoint/2010/main" val="4066803213"/>
       </p:ext>
     </p:extLst>
   </p:cSld>
   <p:clrMapOvr>
     <a:masterClrMapping/>
   </p:clrMapOvr>
-  <p:transition/>
 </p:sld>
 </file>
 
@@ -5929,8 +6761,8 @@
         </p:blipFill>
         <p:spPr>
           <a:xfrm>
-            <a:off x="5889104" y="1376854"/>
-            <a:ext cx="3447765" cy="4595618"/>
+            <a:off x="5889104" y="2557013"/>
+            <a:ext cx="3447765" cy="2235300"/>
           </a:xfrm>
         </p:spPr>
       </p:pic>
@@ -5971,10 +6803,10 @@
       </p:sp>
       <p:sp>
         <p:nvSpPr>
-          <p:cNvPr id="3" name="文本框 2">
+          <p:cNvPr id="7" name="文本框 6">
             <a:extLst>
               <a:ext uri="{FF2B5EF4-FFF2-40B4-BE49-F238E27FC236}">
-                <a16:creationId xmlns:a16="http://schemas.microsoft.com/office/drawing/2014/main" id="{E5E9FBF3-1E85-4532-2430-E43B0CCE0323}"/>
+                <a16:creationId xmlns:a16="http://schemas.microsoft.com/office/drawing/2014/main" id="{9C7F9CD6-D33A-C9E2-152D-133EE81B819D}"/>
               </a:ext>
             </a:extLst>
           </p:cNvPr>
@@ -5983,8 +6815,8 @@
         </p:nvSpPr>
         <p:spPr>
           <a:xfrm>
-            <a:off x="1141370" y="1844824"/>
-            <a:ext cx="184731" cy="461665"/>
+            <a:off x="577238" y="1431509"/>
+            <a:ext cx="4819742" cy="5632311"/>
           </a:xfrm>
           <a:prstGeom prst="rect">
             <a:avLst/>
@@ -5992,38 +6824,6 @@
           <a:noFill/>
         </p:spPr>
         <p:txBody>
-          <a:bodyPr wrap="none" rtlCol="0">
-            <a:spAutoFit/>
-          </a:bodyPr>
-          <a:lstStyle/>
-          <a:p>
-            <a:endParaRPr lang="en-US" dirty="0"/>
-          </a:p>
-        </p:txBody>
-      </p:sp>
-      <p:sp>
-        <p:nvSpPr>
-          <p:cNvPr id="8" name="文本框 7">
-            <a:extLst>
-              <a:ext uri="{FF2B5EF4-FFF2-40B4-BE49-F238E27FC236}">
-                <a16:creationId xmlns:a16="http://schemas.microsoft.com/office/drawing/2014/main" id="{E0A574C5-ABA8-EC86-EF85-8F87E3B5FFC0}"/>
-              </a:ext>
-            </a:extLst>
-          </p:cNvPr>
-          <p:cNvSpPr txBox="1"/>
-          <p:nvPr/>
-        </p:nvSpPr>
-        <p:spPr>
-          <a:xfrm>
-            <a:off x="577238" y="1431509"/>
-            <a:ext cx="4819742" cy="2677656"/>
-          </a:xfrm>
-          <a:prstGeom prst="rect">
-            <a:avLst/>
-          </a:prstGeom>
-          <a:noFill/>
-        </p:spPr>
-        <p:txBody>
           <a:bodyPr wrap="square" rtlCol="0">
             <a:spAutoFit/>
           </a:bodyPr>
@@ -6048,7 +6848,7 @@
                 <a:effectLst/>
                 <a:latin typeface="arial" panose="020B0604020202020204" pitchFamily="34" charset="0"/>
               </a:rPr>
-              <a:t>中国科学院计算所在</a:t>
+              <a:t>勘智 </a:t>
             </a:r>
             <a:r>
               <a:rPr lang="en-US" altLang="zh-CN" b="0" i="0" dirty="0">
@@ -6058,7 +6858,7 @@
                 <a:effectLst/>
                 <a:latin typeface="arial" panose="020B0604020202020204" pitchFamily="34" charset="0"/>
               </a:rPr>
-              <a:t>2020</a:t>
+              <a:t>K510 </a:t>
             </a:r>
             <a:r>
               <a:rPr lang="zh-CN" altLang="en-US" b="0" i="0" dirty="0">
@@ -6068,7 +6868,7 @@
                 <a:effectLst/>
                 <a:latin typeface="arial" panose="020B0604020202020204" pitchFamily="34" charset="0"/>
               </a:rPr>
-              <a:t>年发布“香山”高性能</a:t>
+              <a:t>芯片，采用 </a:t>
             </a:r>
             <a:r>
               <a:rPr lang="en-US" altLang="zh-CN" b="0" i="0" dirty="0">
@@ -6078,7 +6878,7 @@
                 <a:effectLst/>
                 <a:latin typeface="arial" panose="020B0604020202020204" pitchFamily="34" charset="0"/>
               </a:rPr>
-              <a:t>RISC-V</a:t>
+              <a:t>RISC-V </a:t>
             </a:r>
             <a:r>
               <a:rPr lang="zh-CN" altLang="en-US" b="0" i="0" dirty="0">
@@ -6088,7 +6888,7 @@
                 <a:effectLst/>
                 <a:latin typeface="arial" panose="020B0604020202020204" pitchFamily="34" charset="0"/>
               </a:rPr>
-              <a:t>处理器开源项目，香山以</a:t>
+              <a:t>双核 </a:t>
             </a:r>
             <a:r>
               <a:rPr lang="en-US" altLang="zh-CN" b="0" i="0" dirty="0">
@@ -6098,7 +6898,7 @@
                 <a:effectLst/>
                 <a:latin typeface="arial" panose="020B0604020202020204" pitchFamily="34" charset="0"/>
               </a:rPr>
-              <a:t>Chisel</a:t>
+              <a:t>CPU@800MHZ</a:t>
             </a:r>
             <a:r>
               <a:rPr lang="zh-CN" altLang="en-US" b="0" i="0" dirty="0">
@@ -6108,7 +6908,107 @@
                 <a:effectLst/>
                 <a:latin typeface="arial" panose="020B0604020202020204" pitchFamily="34" charset="0"/>
               </a:rPr>
-              <a:t>硬件描述语言开发。</a:t>
+              <a:t>，内置 </a:t>
+            </a:r>
+            <a:r>
+              <a:rPr lang="en-US" altLang="zh-CN" b="0" i="0" dirty="0">
+                <a:solidFill>
+                  <a:srgbClr val="4D5156"/>
+                </a:solidFill>
+                <a:effectLst/>
+                <a:latin typeface="arial" panose="020B0604020202020204" pitchFamily="34" charset="0"/>
+              </a:rPr>
+              <a:t>DSP </a:t>
+            </a:r>
+            <a:r>
+              <a:rPr lang="zh-CN" altLang="en-US" b="0" i="0" dirty="0">
+                <a:solidFill>
+                  <a:srgbClr val="4D5156"/>
+                </a:solidFill>
+                <a:effectLst/>
+                <a:latin typeface="arial" panose="020B0604020202020204" pitchFamily="34" charset="0"/>
+              </a:rPr>
+              <a:t>协处理器，</a:t>
+            </a:r>
+            <a:r>
+              <a:rPr lang="en-US" altLang="zh-CN" b="0" i="0" dirty="0">
+                <a:solidFill>
+                  <a:srgbClr val="4D5156"/>
+                </a:solidFill>
+                <a:effectLst/>
+                <a:latin typeface="arial" panose="020B0604020202020204" pitchFamily="34" charset="0"/>
+              </a:rPr>
+              <a:t>AI </a:t>
+            </a:r>
+            <a:r>
+              <a:rPr lang="zh-CN" altLang="en-US" b="0" i="0" dirty="0">
+                <a:solidFill>
+                  <a:srgbClr val="4D5156"/>
+                </a:solidFill>
+                <a:effectLst/>
+                <a:latin typeface="arial" panose="020B0604020202020204" pitchFamily="34" charset="0"/>
+              </a:rPr>
+              <a:t>运算单元 </a:t>
+            </a:r>
+            <a:r>
+              <a:rPr lang="en-US" altLang="zh-CN" b="0" i="0" dirty="0">
+                <a:solidFill>
+                  <a:srgbClr val="4D5156"/>
+                </a:solidFill>
+                <a:effectLst/>
+                <a:latin typeface="arial" panose="020B0604020202020204" pitchFamily="34" charset="0"/>
+              </a:rPr>
+              <a:t>KPU </a:t>
+            </a:r>
+            <a:r>
+              <a:rPr lang="zh-CN" altLang="en-US" b="0" i="0" dirty="0">
+                <a:solidFill>
+                  <a:srgbClr val="4D5156"/>
+                </a:solidFill>
+                <a:effectLst/>
+                <a:latin typeface="arial" panose="020B0604020202020204" pitchFamily="34" charset="0"/>
+              </a:rPr>
+              <a:t>支持 </a:t>
+            </a:r>
+            <a:r>
+              <a:rPr lang="en-US" altLang="zh-CN" b="0" i="0" dirty="0">
+                <a:solidFill>
+                  <a:srgbClr val="4D5156"/>
+                </a:solidFill>
+                <a:effectLst/>
+                <a:latin typeface="arial" panose="020B0604020202020204" pitchFamily="34" charset="0"/>
+              </a:rPr>
+              <a:t>BF16 </a:t>
+            </a:r>
+            <a:r>
+              <a:rPr lang="zh-CN" altLang="en-US" b="0" i="0" dirty="0">
+                <a:solidFill>
+                  <a:srgbClr val="4D5156"/>
+                </a:solidFill>
+                <a:effectLst/>
+                <a:latin typeface="arial" panose="020B0604020202020204" pitchFamily="34" charset="0"/>
+              </a:rPr>
+              <a:t>浮点数据格式，是国内少数支持高精度推理计算的端侧 </a:t>
+            </a:r>
+            <a:r>
+              <a:rPr lang="en-US" altLang="zh-CN" b="0" i="0" dirty="0">
+                <a:solidFill>
+                  <a:srgbClr val="4D5156"/>
+                </a:solidFill>
+                <a:effectLst/>
+                <a:latin typeface="arial" panose="020B0604020202020204" pitchFamily="34" charset="0"/>
+              </a:rPr>
+              <a:t>AI </a:t>
+            </a:r>
+            <a:r>
+              <a:rPr lang="zh-CN" altLang="en-US" b="0" i="0" dirty="0">
+                <a:solidFill>
+                  <a:srgbClr val="4D5156"/>
+                </a:solidFill>
+                <a:effectLst/>
+                <a:latin typeface="arial" panose="020B0604020202020204" pitchFamily="34" charset="0"/>
+              </a:rPr>
+              <a:t>芯片。</a:t>
             </a:r>
             <a:endParaRPr lang="en-US" altLang="zh-CN" b="0" i="0" dirty="0">
               <a:solidFill>
@@ -6121,64 +7021,255 @@
           <a:p>
             <a:pPr algn="l"/>
             <a:r>
-              <a:rPr lang="en-US" altLang="zh-CN" b="0" dirty="0">
-                <a:solidFill>
-                  <a:srgbClr val="4D5156"/>
-                </a:solidFill>
-                <a:latin typeface="arial" panose="020B0604020202020204" pitchFamily="34" charset="0"/>
-              </a:rPr>
-              <a:t>	</a:t>
-            </a:r>
-            <a:r>
-              <a:rPr lang="zh-CN" altLang="en-US" b="0" i="0" dirty="0">
+              <a:rPr lang="en-US" altLang="zh-CN" b="0" i="0" dirty="0">
                 <a:solidFill>
                   <a:srgbClr val="4D5156"/>
                 </a:solidFill>
                 <a:effectLst/>
                 <a:latin typeface="arial" panose="020B0604020202020204" pitchFamily="34" charset="0"/>
               </a:rPr>
-              <a:t>第一版“雁栖湖架构”使用台积电的</a:t>
-            </a:r>
-            <a:r>
-              <a:rPr lang="en-US" altLang="zh-CN" b="0" i="0" dirty="0">
+              <a:t>	</a:t>
+            </a:r>
+            <a:r>
+              <a:rPr lang="zh-CN" altLang="en-US" b="0" i="0" dirty="0">
                 <a:solidFill>
                   <a:srgbClr val="4D5156"/>
                 </a:solidFill>
                 <a:effectLst/>
                 <a:latin typeface="arial" panose="020B0604020202020204" pitchFamily="34" charset="0"/>
               </a:rPr>
-              <a:t>28nm</a:t>
-            </a:r>
-            <a:r>
-              <a:rPr lang="zh-CN" altLang="en-US" b="0" i="0" dirty="0">
+              <a:t>勘智 </a:t>
+            </a:r>
+            <a:r>
+              <a:rPr lang="en-US" altLang="zh-CN" b="0" i="0" dirty="0">
                 <a:solidFill>
                   <a:srgbClr val="4D5156"/>
                 </a:solidFill>
                 <a:effectLst/>
                 <a:latin typeface="arial" panose="020B0604020202020204" pitchFamily="34" charset="0"/>
               </a:rPr>
-              <a:t>制程，工作频率为</a:t>
-            </a:r>
-            <a:r>
-              <a:rPr lang="en-US" altLang="zh-CN" b="0" i="0" dirty="0">
+              <a:t>K510 </a:t>
+            </a:r>
+            <a:r>
+              <a:rPr lang="zh-CN" altLang="en-US" b="0" i="0" dirty="0">
                 <a:solidFill>
                   <a:srgbClr val="4D5156"/>
                 </a:solidFill>
                 <a:effectLst/>
                 <a:latin typeface="arial" panose="020B0604020202020204" pitchFamily="34" charset="0"/>
               </a:rPr>
-              <a:t>1.3GHz</a:t>
-            </a:r>
-            <a:r>
-              <a:rPr lang="zh-CN" altLang="en-US" b="0" i="0" dirty="0">
+              <a:t>外设接口丰富，支持 </a:t>
+            </a:r>
+            <a:r>
+              <a:rPr lang="en-US" altLang="zh-CN" b="0" i="0" dirty="0">
                 <a:solidFill>
                   <a:srgbClr val="4D5156"/>
                 </a:solidFill>
                 <a:effectLst/>
                 <a:latin typeface="arial" panose="020B0604020202020204" pitchFamily="34" charset="0"/>
               </a:rPr>
-              <a:t>。</a:t>
-            </a:r>
+              <a:t>USB2.0 OTG+PHY</a:t>
+            </a:r>
+            <a:r>
+              <a:rPr lang="zh-CN" altLang="en-US" b="0" i="0" dirty="0">
+                <a:solidFill>
+                  <a:srgbClr val="4D5156"/>
+                </a:solidFill>
+                <a:effectLst/>
+                <a:latin typeface="arial" panose="020B0604020202020204" pitchFamily="34" charset="0"/>
+              </a:rPr>
+              <a:t>、</a:t>
+            </a:r>
+            <a:r>
+              <a:rPr lang="en-US" altLang="zh-CN" b="0" i="0" dirty="0">
+                <a:solidFill>
+                  <a:srgbClr val="4D5156"/>
+                </a:solidFill>
+                <a:effectLst/>
+                <a:latin typeface="arial" panose="020B0604020202020204" pitchFamily="34" charset="0"/>
+              </a:rPr>
+              <a:t>Ethernet MAC</a:t>
+            </a:r>
+            <a:r>
+              <a:rPr lang="zh-CN" altLang="en-US" b="0" i="0" dirty="0">
+                <a:solidFill>
+                  <a:srgbClr val="4D5156"/>
+                </a:solidFill>
+                <a:effectLst/>
+                <a:latin typeface="arial" panose="020B0604020202020204" pitchFamily="34" charset="0"/>
+              </a:rPr>
+              <a:t>、</a:t>
+            </a:r>
+            <a:r>
+              <a:rPr lang="en-US" altLang="zh-CN" b="0" i="0" dirty="0">
+                <a:solidFill>
+                  <a:srgbClr val="4D5156"/>
+                </a:solidFill>
+                <a:effectLst/>
+                <a:latin typeface="arial" panose="020B0604020202020204" pitchFamily="34" charset="0"/>
+              </a:rPr>
+              <a:t>3xSDIO </a:t>
+            </a:r>
+            <a:r>
+              <a:rPr lang="zh-CN" altLang="en-US" b="0" i="0" dirty="0">
+                <a:solidFill>
+                  <a:srgbClr val="4D5156"/>
+                </a:solidFill>
+                <a:effectLst/>
+                <a:latin typeface="arial" panose="020B0604020202020204" pitchFamily="34" charset="0"/>
+              </a:rPr>
+              <a:t>和 </a:t>
+            </a:r>
+            <a:r>
+              <a:rPr lang="en-US" altLang="zh-CN" b="0" i="0" dirty="0">
+                <a:solidFill>
+                  <a:srgbClr val="4D5156"/>
+                </a:solidFill>
+                <a:effectLst/>
+                <a:latin typeface="arial" panose="020B0604020202020204" pitchFamily="34" charset="0"/>
+              </a:rPr>
+              <a:t>3xSPI </a:t>
+            </a:r>
+            <a:r>
+              <a:rPr lang="zh-CN" altLang="en-US" b="0" i="0" dirty="0">
+                <a:solidFill>
+                  <a:srgbClr val="4D5156"/>
+                </a:solidFill>
+                <a:effectLst/>
+                <a:latin typeface="arial" panose="020B0604020202020204" pitchFamily="34" charset="0"/>
+              </a:rPr>
+              <a:t>等高速数据通信接口，以及 </a:t>
+            </a:r>
+            <a:r>
+              <a:rPr lang="en-US" altLang="zh-CN" b="0" i="0" dirty="0">
+                <a:solidFill>
+                  <a:srgbClr val="4D5156"/>
+                </a:solidFill>
+                <a:effectLst/>
+                <a:latin typeface="arial" panose="020B0604020202020204" pitchFamily="34" charset="0"/>
+              </a:rPr>
+              <a:t>4xUART</a:t>
+            </a:r>
+            <a:r>
+              <a:rPr lang="zh-CN" altLang="en-US" b="0" i="0" dirty="0">
+                <a:solidFill>
+                  <a:srgbClr val="4D5156"/>
+                </a:solidFill>
+                <a:effectLst/>
+                <a:latin typeface="arial" panose="020B0604020202020204" pitchFamily="34" charset="0"/>
+              </a:rPr>
+              <a:t>、</a:t>
+            </a:r>
+            <a:r>
+              <a:rPr lang="en-US" altLang="zh-CN" b="0" i="0" dirty="0">
+                <a:solidFill>
+                  <a:srgbClr val="4D5156"/>
+                </a:solidFill>
+                <a:effectLst/>
+                <a:latin typeface="arial" panose="020B0604020202020204" pitchFamily="34" charset="0"/>
+              </a:rPr>
+              <a:t>GPIO</a:t>
+            </a:r>
+            <a:r>
+              <a:rPr lang="zh-CN" altLang="en-US" b="0" i="0" dirty="0">
+                <a:solidFill>
+                  <a:srgbClr val="4D5156"/>
+                </a:solidFill>
+                <a:effectLst/>
+                <a:latin typeface="arial" panose="020B0604020202020204" pitchFamily="34" charset="0"/>
+              </a:rPr>
+              <a:t>、</a:t>
+            </a:r>
+            <a:r>
+              <a:rPr lang="en-US" altLang="zh-CN" b="0" i="0" dirty="0">
+                <a:solidFill>
+                  <a:srgbClr val="4D5156"/>
+                </a:solidFill>
+                <a:effectLst/>
+                <a:latin typeface="arial" panose="020B0604020202020204" pitchFamily="34" charset="0"/>
+              </a:rPr>
+              <a:t>I2C </a:t>
+            </a:r>
+            <a:r>
+              <a:rPr lang="zh-CN" altLang="en-US" b="0" i="0" dirty="0">
+                <a:solidFill>
+                  <a:srgbClr val="4D5156"/>
+                </a:solidFill>
+                <a:effectLst/>
+                <a:latin typeface="arial" panose="020B0604020202020204" pitchFamily="34" charset="0"/>
+              </a:rPr>
+              <a:t>和 </a:t>
+            </a:r>
+            <a:r>
+              <a:rPr lang="en-US" altLang="zh-CN" b="0" i="0" dirty="0">
+                <a:solidFill>
+                  <a:srgbClr val="4D5156"/>
+                </a:solidFill>
+                <a:effectLst/>
+                <a:latin typeface="arial" panose="020B0604020202020204" pitchFamily="34" charset="0"/>
+              </a:rPr>
+              <a:t>I2S </a:t>
+            </a:r>
+            <a:r>
+              <a:rPr lang="zh-CN" altLang="en-US" b="0" i="0" dirty="0">
+                <a:solidFill>
+                  <a:srgbClr val="4D5156"/>
+                </a:solidFill>
+                <a:effectLst/>
+                <a:latin typeface="arial" panose="020B0604020202020204" pitchFamily="34" charset="0"/>
+              </a:rPr>
+              <a:t>等低速接口。除视觉神经网络处理器外，开发板还搭载了 </a:t>
+            </a:r>
+            <a:r>
+              <a:rPr lang="en-US" altLang="zh-CN" b="0" i="0" dirty="0">
+                <a:solidFill>
+                  <a:srgbClr val="4D5156"/>
+                </a:solidFill>
+                <a:effectLst/>
+                <a:latin typeface="arial" panose="020B0604020202020204" pitchFamily="34" charset="0"/>
+              </a:rPr>
+              <a:t>APU </a:t>
+            </a:r>
+            <a:r>
+              <a:rPr lang="zh-CN" altLang="en-US" b="0" i="0" dirty="0">
+                <a:solidFill>
+                  <a:srgbClr val="4D5156"/>
+                </a:solidFill>
+                <a:effectLst/>
+                <a:latin typeface="arial" panose="020B0604020202020204" pitchFamily="34" charset="0"/>
+              </a:rPr>
+              <a:t>单元，支持 </a:t>
+            </a:r>
+            <a:r>
+              <a:rPr lang="en-US" altLang="zh-CN" b="0" i="0" dirty="0">
+                <a:solidFill>
+                  <a:srgbClr val="4D5156"/>
+                </a:solidFill>
+                <a:effectLst/>
+                <a:latin typeface="arial" panose="020B0604020202020204" pitchFamily="34" charset="0"/>
+              </a:rPr>
+              <a:t>FFT </a:t>
+            </a:r>
+            <a:r>
+              <a:rPr lang="zh-CN" altLang="en-US" b="0" i="0" dirty="0">
+                <a:solidFill>
+                  <a:srgbClr val="4D5156"/>
+                </a:solidFill>
+                <a:effectLst/>
+                <a:latin typeface="arial" panose="020B0604020202020204" pitchFamily="34" charset="0"/>
+              </a:rPr>
+              <a:t>傅里叶音频处理。</a:t>
+            </a:r>
+            <a:endParaRPr lang="en-US" altLang="zh-CN" b="0" i="0" dirty="0">
+              <a:solidFill>
+                <a:srgbClr val="4D5156"/>
+              </a:solidFill>
+              <a:effectLst/>
+              <a:latin typeface="arial" panose="020B0604020202020204" pitchFamily="34" charset="0"/>
+            </a:endParaRPr>
+          </a:p>
+          <a:p>
+            <a:pPr algn="l"/>
             <a:endParaRPr lang="en-US" dirty="0"/>
           </a:p>
         </p:txBody>
@@ -6186,7 +7277,7 @@
     </p:spTree>
     <p:extLst>
       <p:ext uri="{BB962C8B-B14F-4D97-AF65-F5344CB8AC3E}">
-        <p14:creationId xmlns:p14="http://schemas.microsoft.com/office/powerpoint/2010/main" val="4028939131"/>
+        <p14:creationId xmlns:p14="http://schemas.microsoft.com/office/powerpoint/2010/main" val="126374169"/>
       </p:ext>
     </p:extLst>
   </p:cSld>
@@ -6219,7 +7310,7 @@
           <p:cNvPr id="2" name="标题 1">
             <a:extLst>
               <a:ext uri="{FF2B5EF4-FFF2-40B4-BE49-F238E27FC236}">
-                <a16:creationId xmlns:a16="http://schemas.microsoft.com/office/drawing/2014/main" id="{4621580D-6480-A80D-AD26-847470B6683F}"/>
+                <a16:creationId xmlns:a16="http://schemas.microsoft.com/office/drawing/2014/main" id="{401CB407-F6B9-27BB-03DC-02C2049BC47C}"/>
               </a:ext>
             </a:extLst>
           </p:cNvPr>
@@ -6235,16 +7326,84 @@
           <a:bodyPr/>
           <a:lstStyle/>
           <a:p>
-            <a:endParaRPr lang="en-US"/>
-          </a:p>
-        </p:txBody>
-      </p:sp>
+            <a:pPr algn="ctr"/>
+            <a:r>
+              <a:rPr lang="en-US" dirty="0">
+                <a:effectLst>
+                  <a:outerShdw blurRad="38100" dist="38100" dir="2700000" algn="tl">
+                    <a:srgbClr val="000000">
+                      <a:alpha val="43137"/>
+                    </a:srgbClr>
+                  </a:outerShdw>
+                </a:effectLst>
+              </a:rPr>
+              <a:t>RISC-V</a:t>
+            </a:r>
+            <a:r>
+              <a:rPr lang="zh-CN" altLang="en-US" dirty="0">
+                <a:effectLst>
+                  <a:outerShdw blurRad="38100" dist="38100" dir="2700000" algn="tl">
+                    <a:srgbClr val="000000">
+                      <a:alpha val="43137"/>
+                    </a:srgbClr>
+                  </a:outerShdw>
+                </a:effectLst>
+              </a:rPr>
+              <a:t>硬件生态</a:t>
+            </a:r>
+            <a:endParaRPr lang="en-US" dirty="0">
+              <a:effectLst>
+                <a:outerShdw blurRad="38100" dist="38100" dir="2700000" algn="tl">
+                  <a:srgbClr val="000000">
+                    <a:alpha val="43137"/>
+                  </a:srgbClr>
+                </a:outerShdw>
+              </a:effectLst>
+            </a:endParaRPr>
+          </a:p>
+        </p:txBody>
+      </p:sp>
+      <p:pic>
+        <p:nvPicPr>
+          <p:cNvPr id="6" name="内容占位符 5" descr="电子设备的屏幕&#10;&#10;描述已自动生成">
+            <a:extLst>
+              <a:ext uri="{FF2B5EF4-FFF2-40B4-BE49-F238E27FC236}">
+                <a16:creationId xmlns:a16="http://schemas.microsoft.com/office/drawing/2014/main" id="{BE2F8C4B-DB6A-0C36-8870-14C5D4168AD7}"/>
+              </a:ext>
+            </a:extLst>
+          </p:cNvPr>
+          <p:cNvPicPr>
+            <a:picLocks noGrp="1" noChangeAspect="1"/>
+          </p:cNvPicPr>
+          <p:nvPr>
+            <p:ph idx="1"/>
+          </p:nvPr>
+        </p:nvPicPr>
+        <p:blipFill>
+          <a:blip r:embed="rId2">
+            <a:extLst>
+              <a:ext uri="{28A0092B-C50C-407E-A947-70E740481C1C}">
+                <a14:useLocalDpi xmlns:a14="http://schemas.microsoft.com/office/drawing/2010/main" val="0"/>
+              </a:ext>
+            </a:extLst>
+          </a:blip>
+          <a:stretch>
+            <a:fillRect/>
+          </a:stretch>
+        </p:blipFill>
+        <p:spPr>
+          <a:xfrm>
+            <a:off x="5889104" y="1370407"/>
+            <a:ext cx="3447765" cy="4608513"/>
+          </a:xfrm>
+        </p:spPr>
+      </p:pic>
       <p:sp>
         <p:nvSpPr>
           <p:cNvPr id="4" name="灯片编号占位符 3">
             <a:extLst>
               <a:ext uri="{FF2B5EF4-FFF2-40B4-BE49-F238E27FC236}">
-                <a16:creationId xmlns:a16="http://schemas.microsoft.com/office/drawing/2014/main" id="{8B31FEF7-4ADA-D2B3-7828-FC25DCD1AACF}"/>
+                <a16:creationId xmlns:a16="http://schemas.microsoft.com/office/drawing/2014/main" id="{B9B2E493-6822-D58A-E291-9B2A790CB9CD}"/>
               </a:ext>
             </a:extLst>
           </p:cNvPr>
@@ -6276,49 +7435,1145 @@
       </p:sp>
       <p:sp>
         <p:nvSpPr>
-          <p:cNvPr id="7" name="内容占位符 6">
+          <p:cNvPr id="7" name="文本框 6">
             <a:extLst>
               <a:ext uri="{FF2B5EF4-FFF2-40B4-BE49-F238E27FC236}">
-                <a16:creationId xmlns:a16="http://schemas.microsoft.com/office/drawing/2014/main" id="{391BDF5A-9A47-8D59-4377-D1FDDCCB7642}"/>
+                <a16:creationId xmlns:a16="http://schemas.microsoft.com/office/drawing/2014/main" id="{9C7F9CD6-D33A-C9E2-152D-133EE81B819D}"/>
               </a:ext>
             </a:extLst>
           </p:cNvPr>
-          <p:cNvSpPr>
-            <a:spLocks noGrp="1"/>
-          </p:cNvSpPr>
-          <p:nvPr>
-            <p:ph idx="1"/>
-          </p:nvPr>
+          <p:cNvSpPr txBox="1"/>
+          <p:nvPr/>
         </p:nvSpPr>
         <p:spPr>
           <a:xfrm>
-            <a:off x="3080792" y="2996952"/>
-            <a:ext cx="8928100" cy="4608513"/>
+            <a:off x="577238" y="1431509"/>
+            <a:ext cx="4819742" cy="4893647"/>
           </a:xfrm>
+          <a:prstGeom prst="rect">
+            <a:avLst/>
+          </a:prstGeom>
+          <a:noFill/>
         </p:spPr>
         <p:txBody>
-          <a:bodyPr/>
+          <a:bodyPr wrap="square" rtlCol="0">
+            <a:spAutoFit/>
+          </a:bodyPr>
           <a:lstStyle/>
           <a:p>
-            <a:pPr marL="0" indent="0">
-              <a:buNone/>
-            </a:pPr>
-            <a:r>
-              <a:rPr lang="en-US" sz="6600" dirty="0"/>
-              <a:t>T</a:t>
-            </a:r>
-            <a:r>
-              <a:rPr lang="en-US" altLang="zh-CN" sz="6600" dirty="0"/>
-              <a:t>hanks</a:t>
-            </a:r>
-            <a:endParaRPr lang="en-US" sz="6600" dirty="0"/>
+            <a:pPr algn="l"/>
+            <a:r>
+              <a:rPr lang="en-US" altLang="zh-CN" b="0" i="0" dirty="0">
+                <a:solidFill>
+                  <a:srgbClr val="4D5156"/>
+                </a:solidFill>
+                <a:effectLst/>
+                <a:latin typeface="arial" panose="020B0604020202020204" pitchFamily="34" charset="0"/>
+              </a:rPr>
+              <a:t>	</a:t>
+            </a:r>
+            <a:r>
+              <a:rPr lang="zh-CN" altLang="en-US" b="0" i="0" dirty="0">
+                <a:solidFill>
+                  <a:srgbClr val="4D5156"/>
+                </a:solidFill>
+                <a:effectLst/>
+                <a:latin typeface="arial" panose="020B0604020202020204" pitchFamily="34" charset="0"/>
+              </a:rPr>
+              <a:t>阿里巴巴旗下半导体公司平头哥发布了它的首款 </a:t>
+            </a:r>
+            <a:r>
+              <a:rPr lang="en-US" altLang="zh-CN" b="0" i="0" dirty="0">
+                <a:solidFill>
+                  <a:srgbClr val="4D5156"/>
+                </a:solidFill>
+                <a:effectLst/>
+                <a:latin typeface="arial" panose="020B0604020202020204" pitchFamily="34" charset="0"/>
+              </a:rPr>
+              <a:t>RISC-V </a:t>
+            </a:r>
+            <a:r>
+              <a:rPr lang="zh-CN" altLang="en-US" b="0" i="0" dirty="0">
+                <a:solidFill>
+                  <a:srgbClr val="4D5156"/>
+                </a:solidFill>
+                <a:effectLst/>
+                <a:latin typeface="arial" panose="020B0604020202020204" pitchFamily="34" charset="0"/>
+              </a:rPr>
+              <a:t>处理器“玄铁 </a:t>
+            </a:r>
+            <a:r>
+              <a:rPr lang="en-US" altLang="zh-CN" b="0" i="0" dirty="0">
+                <a:solidFill>
+                  <a:srgbClr val="4D5156"/>
+                </a:solidFill>
+                <a:effectLst/>
+                <a:latin typeface="arial" panose="020B0604020202020204" pitchFamily="34" charset="0"/>
+              </a:rPr>
+              <a:t>910”</a:t>
+            </a:r>
+            <a:r>
+              <a:rPr lang="zh-CN" altLang="en-US" b="0" i="0" dirty="0">
+                <a:solidFill>
+                  <a:srgbClr val="4D5156"/>
+                </a:solidFill>
+                <a:effectLst/>
+                <a:latin typeface="arial" panose="020B0604020202020204" pitchFamily="34" charset="0"/>
+              </a:rPr>
+              <a:t>（</a:t>
+            </a:r>
+            <a:r>
+              <a:rPr lang="en-US" altLang="zh-CN" b="0" i="0" dirty="0">
+                <a:solidFill>
+                  <a:srgbClr val="4D5156"/>
+                </a:solidFill>
+                <a:effectLst/>
+                <a:latin typeface="arial" panose="020B0604020202020204" pitchFamily="34" charset="0"/>
+              </a:rPr>
+              <a:t>XuanTie910</a:t>
+            </a:r>
+            <a:r>
+              <a:rPr lang="zh-CN" altLang="en-US" b="0" i="0" dirty="0">
+                <a:solidFill>
+                  <a:srgbClr val="4D5156"/>
+                </a:solidFill>
+                <a:effectLst/>
+                <a:latin typeface="arial" panose="020B0604020202020204" pitchFamily="34" charset="0"/>
+              </a:rPr>
+              <a:t>）。</a:t>
+            </a:r>
+            <a:endParaRPr lang="en-US" altLang="zh-CN" b="0" i="0" dirty="0">
+              <a:solidFill>
+                <a:srgbClr val="4D5156"/>
+              </a:solidFill>
+              <a:effectLst/>
+              <a:latin typeface="arial" panose="020B0604020202020204" pitchFamily="34" charset="0"/>
+            </a:endParaRPr>
+          </a:p>
+          <a:p>
+            <a:pPr algn="l"/>
+            <a:r>
+              <a:rPr lang="en-US" altLang="zh-CN" b="0" i="0" dirty="0">
+                <a:solidFill>
+                  <a:srgbClr val="4D5156"/>
+                </a:solidFill>
+                <a:effectLst/>
+                <a:latin typeface="arial" panose="020B0604020202020204" pitchFamily="34" charset="0"/>
+              </a:rPr>
+              <a:t>	</a:t>
+            </a:r>
+            <a:r>
+              <a:rPr lang="zh-CN" altLang="en-US" b="0" i="0" dirty="0">
+                <a:solidFill>
+                  <a:srgbClr val="4D5156"/>
+                </a:solidFill>
+                <a:effectLst/>
+                <a:latin typeface="arial" panose="020B0604020202020204" pitchFamily="34" charset="0"/>
+              </a:rPr>
+              <a:t>阿里巴巴称它是目前性能最强的 </a:t>
+            </a:r>
+            <a:r>
+              <a:rPr lang="en-US" altLang="zh-CN" b="0" i="0" dirty="0">
+                <a:solidFill>
+                  <a:srgbClr val="4D5156"/>
+                </a:solidFill>
+                <a:effectLst/>
+                <a:latin typeface="arial" panose="020B0604020202020204" pitchFamily="34" charset="0"/>
+              </a:rPr>
+              <a:t>RISC-V </a:t>
+            </a:r>
+            <a:r>
+              <a:rPr lang="zh-CN" altLang="en-US" b="0" i="0" dirty="0">
+                <a:solidFill>
+                  <a:srgbClr val="4D5156"/>
+                </a:solidFill>
+                <a:effectLst/>
+                <a:latin typeface="arial" panose="020B0604020202020204" pitchFamily="34" charset="0"/>
+              </a:rPr>
+              <a:t>处理器，支持</a:t>
+            </a:r>
+            <a:r>
+              <a:rPr lang="en-US" altLang="zh-CN" b="0" i="0" dirty="0">
+                <a:solidFill>
+                  <a:srgbClr val="4D5156"/>
+                </a:solidFill>
+                <a:effectLst/>
+                <a:latin typeface="arial" panose="020B0604020202020204" pitchFamily="34" charset="0"/>
+              </a:rPr>
+              <a:t>16</a:t>
+            </a:r>
+            <a:r>
+              <a:rPr lang="zh-CN" altLang="en-US" b="0" i="0" dirty="0">
+                <a:solidFill>
+                  <a:srgbClr val="4D5156"/>
+                </a:solidFill>
+                <a:effectLst/>
+                <a:latin typeface="arial" panose="020B0604020202020204" pitchFamily="34" charset="0"/>
+              </a:rPr>
+              <a:t>核，主频 </a:t>
+            </a:r>
+            <a:r>
+              <a:rPr lang="en-US" altLang="zh-CN" b="0" i="0" dirty="0">
+                <a:solidFill>
+                  <a:srgbClr val="4D5156"/>
+                </a:solidFill>
+                <a:effectLst/>
+                <a:latin typeface="arial" panose="020B0604020202020204" pitchFamily="34" charset="0"/>
+              </a:rPr>
+              <a:t>2.5GHz</a:t>
+            </a:r>
+            <a:r>
+              <a:rPr lang="zh-CN" altLang="en-US" b="0" i="0" dirty="0">
+                <a:solidFill>
+                  <a:srgbClr val="4D5156"/>
+                </a:solidFill>
+                <a:effectLst/>
+                <a:latin typeface="arial" panose="020B0604020202020204" pitchFamily="34" charset="0"/>
+              </a:rPr>
+              <a:t>，单核性能达到 </a:t>
+            </a:r>
+            <a:r>
+              <a:rPr lang="en-US" altLang="zh-CN" b="0" i="0" dirty="0">
+                <a:solidFill>
+                  <a:srgbClr val="4D5156"/>
+                </a:solidFill>
+                <a:effectLst/>
+                <a:latin typeface="arial" panose="020B0604020202020204" pitchFamily="34" charset="0"/>
+              </a:rPr>
+              <a:t>7.1 Coremark/MHz</a:t>
+            </a:r>
+          </a:p>
+          <a:p>
+            <a:pPr algn="l"/>
+            <a:r>
+              <a:rPr lang="en-US" altLang="zh-CN" b="0" dirty="0">
+                <a:solidFill>
+                  <a:srgbClr val="4D5156"/>
+                </a:solidFill>
+                <a:latin typeface="arial" panose="020B0604020202020204" pitchFamily="34" charset="0"/>
+              </a:rPr>
+              <a:t>	</a:t>
+            </a:r>
+            <a:r>
+              <a:rPr lang="zh-CN" altLang="en-US" b="0" dirty="0">
+                <a:solidFill>
+                  <a:srgbClr val="4D5156"/>
+                </a:solidFill>
+                <a:latin typeface="arial" panose="020B0604020202020204" pitchFamily="34" charset="0"/>
+              </a:rPr>
+              <a:t>是业界首个实现每周期 </a:t>
+            </a:r>
+            <a:r>
+              <a:rPr lang="en-US" altLang="zh-CN" b="0" dirty="0">
+                <a:solidFill>
+                  <a:srgbClr val="4D5156"/>
+                </a:solidFill>
+                <a:latin typeface="arial" panose="020B0604020202020204" pitchFamily="34" charset="0"/>
+              </a:rPr>
+              <a:t>2 </a:t>
+            </a:r>
+            <a:r>
+              <a:rPr lang="zh-CN" altLang="en-US" b="0" dirty="0">
+                <a:solidFill>
+                  <a:srgbClr val="4D5156"/>
+                </a:solidFill>
+                <a:latin typeface="arial" panose="020B0604020202020204" pitchFamily="34" charset="0"/>
+              </a:rPr>
+              <a:t>条内存访问的 </a:t>
+            </a:r>
+            <a:r>
+              <a:rPr lang="en-US" altLang="zh-CN" b="0" dirty="0">
+                <a:solidFill>
+                  <a:srgbClr val="4D5156"/>
+                </a:solidFill>
+                <a:latin typeface="arial" panose="020B0604020202020204" pitchFamily="34" charset="0"/>
+              </a:rPr>
+              <a:t>RISC-V </a:t>
+            </a:r>
+            <a:r>
+              <a:rPr lang="zh-CN" altLang="en-US" b="0" dirty="0">
+                <a:solidFill>
+                  <a:srgbClr val="4D5156"/>
+                </a:solidFill>
+                <a:latin typeface="arial" panose="020B0604020202020204" pitchFamily="34" charset="0"/>
+              </a:rPr>
+              <a:t>处理器；二是它基于 </a:t>
+            </a:r>
+            <a:r>
+              <a:rPr lang="en-US" altLang="zh-CN" b="0" dirty="0">
+                <a:solidFill>
+                  <a:srgbClr val="4D5156"/>
+                </a:solidFill>
+                <a:latin typeface="arial" panose="020B0604020202020204" pitchFamily="34" charset="0"/>
+              </a:rPr>
+              <a:t>RISC-V </a:t>
+            </a:r>
+            <a:r>
+              <a:rPr lang="zh-CN" altLang="en-US" b="0" dirty="0">
+                <a:solidFill>
+                  <a:srgbClr val="4D5156"/>
+                </a:solidFill>
+                <a:latin typeface="arial" panose="020B0604020202020204" pitchFamily="34" charset="0"/>
+              </a:rPr>
+              <a:t>扩展了 </a:t>
+            </a:r>
+            <a:r>
+              <a:rPr lang="en-US" altLang="zh-CN" b="0" dirty="0">
+                <a:solidFill>
+                  <a:srgbClr val="4D5156"/>
+                </a:solidFill>
+                <a:latin typeface="arial" panose="020B0604020202020204" pitchFamily="34" charset="0"/>
+              </a:rPr>
+              <a:t>50 </a:t>
+            </a:r>
+            <a:r>
+              <a:rPr lang="zh-CN" altLang="en-US" b="0" dirty="0">
+                <a:solidFill>
+                  <a:srgbClr val="4D5156"/>
+                </a:solidFill>
+                <a:latin typeface="arial" panose="020B0604020202020204" pitchFamily="34" charset="0"/>
+              </a:rPr>
+              <a:t>余条指令，系统性增强了 </a:t>
+            </a:r>
+            <a:r>
+              <a:rPr lang="en-US" altLang="zh-CN" b="0" dirty="0">
+                <a:solidFill>
+                  <a:srgbClr val="4D5156"/>
+                </a:solidFill>
+                <a:latin typeface="arial" panose="020B0604020202020204" pitchFamily="34" charset="0"/>
+              </a:rPr>
+              <a:t>RISC-V </a:t>
+            </a:r>
+            <a:r>
+              <a:rPr lang="zh-CN" altLang="en-US" b="0" dirty="0">
+                <a:solidFill>
+                  <a:srgbClr val="4D5156"/>
+                </a:solidFill>
+                <a:latin typeface="arial" panose="020B0604020202020204" pitchFamily="34" charset="0"/>
+              </a:rPr>
+              <a:t>的计算、存储和多核等方面能力。</a:t>
+            </a:r>
+            <a:endParaRPr lang="en-US" b="0" dirty="0">
+              <a:solidFill>
+                <a:srgbClr val="4D5156"/>
+              </a:solidFill>
+              <a:latin typeface="arial" panose="020B0604020202020204" pitchFamily="34" charset="0"/>
+            </a:endParaRPr>
+          </a:p>
+          <a:p>
+            <a:pPr algn="l"/>
+            <a:endParaRPr lang="en-US" dirty="0"/>
           </a:p>
         </p:txBody>
       </p:sp>
     </p:spTree>
     <p:extLst>
       <p:ext uri="{BB962C8B-B14F-4D97-AF65-F5344CB8AC3E}">
-        <p14:creationId xmlns:p14="http://schemas.microsoft.com/office/powerpoint/2010/main" val="3133966791"/>
+        <p14:creationId xmlns:p14="http://schemas.microsoft.com/office/powerpoint/2010/main" val="1065626816"/>
+      </p:ext>
+    </p:extLst>
+  </p:cSld>
+  <p:clrMapOvr>
+    <a:masterClrMapping/>
+  </p:clrMapOvr>
+  <p:transition/>
+</p:sld>
+</file>
+
+<file path=ppt/slides/slide6.xml><?xml version="1.0" encoding="utf-8"?>
+<p:sld xmlns:a="http://schemas.openxmlformats.org/drawingml/2006/main" xmlns:r="http://schemas.openxmlformats.org/officeDocument/2006/relationships" xmlns:p="http://schemas.openxmlformats.org/presentationml/2006/main">
+  <p:cSld>
+    <p:spTree>
+      <p:nvGrpSpPr>
+        <p:cNvPr id="1" name=""/>
+        <p:cNvGrpSpPr/>
+        <p:nvPr/>
+      </p:nvGrpSpPr>
+      <p:grpSpPr>
+        <a:xfrm>
+          <a:off x="0" y="0"/>
+          <a:ext cx="0" cy="0"/>
+          <a:chOff x="0" y="0"/>
+          <a:chExt cx="0" cy="0"/>
+        </a:xfrm>
+      </p:grpSpPr>
+      <p:sp>
+        <p:nvSpPr>
+          <p:cNvPr id="2" name="标题 1">
+            <a:extLst>
+              <a:ext uri="{FF2B5EF4-FFF2-40B4-BE49-F238E27FC236}">
+                <a16:creationId xmlns:a16="http://schemas.microsoft.com/office/drawing/2014/main" id="{401CB407-F6B9-27BB-03DC-02C2049BC47C}"/>
+              </a:ext>
+            </a:extLst>
+          </p:cNvPr>
+          <p:cNvSpPr>
+            <a:spLocks noGrp="1"/>
+          </p:cNvSpPr>
+          <p:nvPr>
+            <p:ph type="title"/>
+          </p:nvPr>
+        </p:nvSpPr>
+        <p:spPr/>
+        <p:txBody>
+          <a:bodyPr/>
+          <a:lstStyle/>
+          <a:p>
+            <a:pPr algn="ctr"/>
+            <a:r>
+              <a:rPr lang="en-US" dirty="0">
+                <a:effectLst>
+                  <a:outerShdw blurRad="38100" dist="38100" dir="2700000" algn="tl">
+                    <a:srgbClr val="000000">
+                      <a:alpha val="43137"/>
+                    </a:srgbClr>
+                  </a:outerShdw>
+                </a:effectLst>
+              </a:rPr>
+              <a:t>RISC-V</a:t>
+            </a:r>
+            <a:r>
+              <a:rPr lang="zh-CN" altLang="en-US" dirty="0">
+                <a:effectLst>
+                  <a:outerShdw blurRad="38100" dist="38100" dir="2700000" algn="tl">
+                    <a:srgbClr val="000000">
+                      <a:alpha val="43137"/>
+                    </a:srgbClr>
+                  </a:outerShdw>
+                </a:effectLst>
+              </a:rPr>
+              <a:t>硬件生态</a:t>
+            </a:r>
+            <a:endParaRPr lang="en-US" dirty="0">
+              <a:effectLst>
+                <a:outerShdw blurRad="38100" dist="38100" dir="2700000" algn="tl">
+                  <a:srgbClr val="000000">
+                    <a:alpha val="43137"/>
+                  </a:srgbClr>
+                </a:outerShdw>
+              </a:effectLst>
+            </a:endParaRPr>
+          </a:p>
+        </p:txBody>
+      </p:sp>
+      <p:pic>
+        <p:nvPicPr>
+          <p:cNvPr id="6" name="内容占位符 5">
+            <a:extLst>
+              <a:ext uri="{FF2B5EF4-FFF2-40B4-BE49-F238E27FC236}">
+                <a16:creationId xmlns:a16="http://schemas.microsoft.com/office/drawing/2014/main" id="{BE2F8C4B-DB6A-0C36-8870-14C5D4168AD7}"/>
+              </a:ext>
+            </a:extLst>
+          </p:cNvPr>
+          <p:cNvPicPr>
+            <a:picLocks noGrp="1" noChangeAspect="1"/>
+          </p:cNvPicPr>
+          <p:nvPr>
+            <p:ph idx="1"/>
+          </p:nvPr>
+        </p:nvPicPr>
+        <p:blipFill>
+          <a:blip r:embed="rId2">
+            <a:extLst>
+              <a:ext uri="{28A0092B-C50C-407E-A947-70E740481C1C}">
+                <a14:useLocalDpi xmlns:a14="http://schemas.microsoft.com/office/drawing/2010/main" val="0"/>
+              </a:ext>
+            </a:extLst>
+          </a:blip>
+          <a:srcRect/>
+          <a:stretch/>
+        </p:blipFill>
+        <p:spPr>
+          <a:xfrm>
+            <a:off x="5889104" y="1376854"/>
+            <a:ext cx="3447765" cy="4595618"/>
+          </a:xfrm>
+        </p:spPr>
+      </p:pic>
+      <p:sp>
+        <p:nvSpPr>
+          <p:cNvPr id="4" name="灯片编号占位符 3">
+            <a:extLst>
+              <a:ext uri="{FF2B5EF4-FFF2-40B4-BE49-F238E27FC236}">
+                <a16:creationId xmlns:a16="http://schemas.microsoft.com/office/drawing/2014/main" id="{B9B2E493-6822-D58A-E291-9B2A790CB9CD}"/>
+              </a:ext>
+            </a:extLst>
+          </p:cNvPr>
+          <p:cNvSpPr>
+            <a:spLocks noGrp="1"/>
+          </p:cNvSpPr>
+          <p:nvPr>
+            <p:ph type="sldNum" sz="quarter" idx="12"/>
+          </p:nvPr>
+        </p:nvSpPr>
+        <p:spPr/>
+        <p:txBody>
+          <a:bodyPr/>
+          <a:lstStyle/>
+          <a:p>
+            <a:pPr>
+              <a:defRPr/>
+            </a:pPr>
+            <a:fld id="{581DD3E0-5F7C-46B2-AE3F-E81668104769}" type="slidenum">
+              <a:rPr lang="en-US" altLang="zh-CN" smtClean="0"/>
+              <a:pPr>
+                <a:defRPr/>
+              </a:pPr>
+              <a:t>6</a:t>
+            </a:fld>
+            <a:endParaRPr lang="en-US" altLang="zh-CN"/>
+          </a:p>
+        </p:txBody>
+      </p:sp>
+      <p:sp>
+        <p:nvSpPr>
+          <p:cNvPr id="3" name="文本框 2">
+            <a:extLst>
+              <a:ext uri="{FF2B5EF4-FFF2-40B4-BE49-F238E27FC236}">
+                <a16:creationId xmlns:a16="http://schemas.microsoft.com/office/drawing/2014/main" id="{E5E9FBF3-1E85-4532-2430-E43B0CCE0323}"/>
+              </a:ext>
+            </a:extLst>
+          </p:cNvPr>
+          <p:cNvSpPr txBox="1"/>
+          <p:nvPr/>
+        </p:nvSpPr>
+        <p:spPr>
+          <a:xfrm>
+            <a:off x="1141370" y="1844824"/>
+            <a:ext cx="184731" cy="461665"/>
+          </a:xfrm>
+          <a:prstGeom prst="rect">
+            <a:avLst/>
+          </a:prstGeom>
+          <a:noFill/>
+        </p:spPr>
+        <p:txBody>
+          <a:bodyPr wrap="none" rtlCol="0">
+            <a:spAutoFit/>
+          </a:bodyPr>
+          <a:lstStyle/>
+          <a:p>
+            <a:endParaRPr lang="en-US" dirty="0"/>
+          </a:p>
+        </p:txBody>
+      </p:sp>
+      <p:sp>
+        <p:nvSpPr>
+          <p:cNvPr id="8" name="文本框 7">
+            <a:extLst>
+              <a:ext uri="{FF2B5EF4-FFF2-40B4-BE49-F238E27FC236}">
+                <a16:creationId xmlns:a16="http://schemas.microsoft.com/office/drawing/2014/main" id="{E0A574C5-ABA8-EC86-EF85-8F87E3B5FFC0}"/>
+              </a:ext>
+            </a:extLst>
+          </p:cNvPr>
+          <p:cNvSpPr txBox="1"/>
+          <p:nvPr/>
+        </p:nvSpPr>
+        <p:spPr>
+          <a:xfrm>
+            <a:off x="577238" y="1431509"/>
+            <a:ext cx="4819742" cy="2677656"/>
+          </a:xfrm>
+          <a:prstGeom prst="rect">
+            <a:avLst/>
+          </a:prstGeom>
+          <a:noFill/>
+        </p:spPr>
+        <p:txBody>
+          <a:bodyPr wrap="square" rtlCol="0">
+            <a:spAutoFit/>
+          </a:bodyPr>
+          <a:lstStyle/>
+          <a:p>
+            <a:pPr algn="l"/>
+            <a:r>
+              <a:rPr lang="en-US" altLang="zh-CN" b="0" i="0" dirty="0">
+                <a:solidFill>
+                  <a:srgbClr val="4D5156"/>
+                </a:solidFill>
+                <a:effectLst/>
+                <a:latin typeface="arial" panose="020B0604020202020204" pitchFamily="34" charset="0"/>
+              </a:rPr>
+              <a:t>	</a:t>
+            </a:r>
+            <a:r>
+              <a:rPr lang="zh-CN" altLang="en-US" b="0" i="0" dirty="0">
+                <a:solidFill>
+                  <a:srgbClr val="4D5156"/>
+                </a:solidFill>
+                <a:effectLst/>
+                <a:latin typeface="arial" panose="020B0604020202020204" pitchFamily="34" charset="0"/>
+              </a:rPr>
+              <a:t>中国科学院计算所在</a:t>
+            </a:r>
+            <a:r>
+              <a:rPr lang="en-US" altLang="zh-CN" b="0" i="0" dirty="0">
+                <a:solidFill>
+                  <a:srgbClr val="4D5156"/>
+                </a:solidFill>
+                <a:effectLst/>
+                <a:latin typeface="arial" panose="020B0604020202020204" pitchFamily="34" charset="0"/>
+              </a:rPr>
+              <a:t>2020</a:t>
+            </a:r>
+            <a:r>
+              <a:rPr lang="zh-CN" altLang="en-US" b="0" i="0" dirty="0">
+                <a:solidFill>
+                  <a:srgbClr val="4D5156"/>
+                </a:solidFill>
+                <a:effectLst/>
+                <a:latin typeface="arial" panose="020B0604020202020204" pitchFamily="34" charset="0"/>
+              </a:rPr>
+              <a:t>年发布“香山”高性能</a:t>
+            </a:r>
+            <a:r>
+              <a:rPr lang="en-US" altLang="zh-CN" b="0" i="0" dirty="0">
+                <a:solidFill>
+                  <a:srgbClr val="4D5156"/>
+                </a:solidFill>
+                <a:effectLst/>
+                <a:latin typeface="arial" panose="020B0604020202020204" pitchFamily="34" charset="0"/>
+              </a:rPr>
+              <a:t>RISC-V</a:t>
+            </a:r>
+            <a:r>
+              <a:rPr lang="zh-CN" altLang="en-US" b="0" i="0" dirty="0">
+                <a:solidFill>
+                  <a:srgbClr val="4D5156"/>
+                </a:solidFill>
+                <a:effectLst/>
+                <a:latin typeface="arial" panose="020B0604020202020204" pitchFamily="34" charset="0"/>
+              </a:rPr>
+              <a:t>处理器开源项目，香山以</a:t>
+            </a:r>
+            <a:r>
+              <a:rPr lang="en-US" altLang="zh-CN" b="0" i="0" dirty="0">
+                <a:solidFill>
+                  <a:srgbClr val="4D5156"/>
+                </a:solidFill>
+                <a:effectLst/>
+                <a:latin typeface="arial" panose="020B0604020202020204" pitchFamily="34" charset="0"/>
+              </a:rPr>
+              <a:t>Chisel</a:t>
+            </a:r>
+            <a:r>
+              <a:rPr lang="zh-CN" altLang="en-US" b="0" i="0" dirty="0">
+                <a:solidFill>
+                  <a:srgbClr val="4D5156"/>
+                </a:solidFill>
+                <a:effectLst/>
+                <a:latin typeface="arial" panose="020B0604020202020204" pitchFamily="34" charset="0"/>
+              </a:rPr>
+              <a:t>硬件描述语言开发。</a:t>
+            </a:r>
+            <a:endParaRPr lang="en-US" altLang="zh-CN" b="0" i="0" dirty="0">
+              <a:solidFill>
+                <a:srgbClr val="4D5156"/>
+              </a:solidFill>
+              <a:effectLst/>
+              <a:latin typeface="arial" panose="020B0604020202020204" pitchFamily="34" charset="0"/>
+            </a:endParaRPr>
+          </a:p>
+          <a:p>
+            <a:pPr algn="l"/>
+            <a:r>
+              <a:rPr lang="en-US" altLang="zh-CN" b="0" dirty="0">
+                <a:solidFill>
+                  <a:srgbClr val="4D5156"/>
+                </a:solidFill>
+                <a:latin typeface="arial" panose="020B0604020202020204" pitchFamily="34" charset="0"/>
+              </a:rPr>
+              <a:t>	</a:t>
+            </a:r>
+            <a:r>
+              <a:rPr lang="zh-CN" altLang="en-US" b="0" i="0" dirty="0">
+                <a:solidFill>
+                  <a:srgbClr val="4D5156"/>
+                </a:solidFill>
+                <a:effectLst/>
+                <a:latin typeface="arial" panose="020B0604020202020204" pitchFamily="34" charset="0"/>
+              </a:rPr>
+              <a:t>第一版“雁栖湖架构”使用台积电的</a:t>
+            </a:r>
+            <a:r>
+              <a:rPr lang="en-US" altLang="zh-CN" b="0" i="0" dirty="0">
+                <a:solidFill>
+                  <a:srgbClr val="4D5156"/>
+                </a:solidFill>
+                <a:effectLst/>
+                <a:latin typeface="arial" panose="020B0604020202020204" pitchFamily="34" charset="0"/>
+              </a:rPr>
+              <a:t>28nm</a:t>
+            </a:r>
+            <a:r>
+              <a:rPr lang="zh-CN" altLang="en-US" b="0" i="0" dirty="0">
+                <a:solidFill>
+                  <a:srgbClr val="4D5156"/>
+                </a:solidFill>
+                <a:effectLst/>
+                <a:latin typeface="arial" panose="020B0604020202020204" pitchFamily="34" charset="0"/>
+              </a:rPr>
+              <a:t>制程，工作频率为</a:t>
+            </a:r>
+            <a:r>
+              <a:rPr lang="en-US" altLang="zh-CN" b="0" i="0" dirty="0">
+                <a:solidFill>
+                  <a:srgbClr val="4D5156"/>
+                </a:solidFill>
+                <a:effectLst/>
+                <a:latin typeface="arial" panose="020B0604020202020204" pitchFamily="34" charset="0"/>
+              </a:rPr>
+              <a:t>1.3GHz</a:t>
+            </a:r>
+            <a:r>
+              <a:rPr lang="zh-CN" altLang="en-US" b="0" i="0" dirty="0">
+                <a:solidFill>
+                  <a:srgbClr val="4D5156"/>
+                </a:solidFill>
+                <a:effectLst/>
+                <a:latin typeface="arial" panose="020B0604020202020204" pitchFamily="34" charset="0"/>
+              </a:rPr>
+              <a:t>。</a:t>
+            </a:r>
+            <a:endParaRPr lang="en-US" dirty="0"/>
+          </a:p>
+        </p:txBody>
+      </p:sp>
+    </p:spTree>
+    <p:extLst>
+      <p:ext uri="{BB962C8B-B14F-4D97-AF65-F5344CB8AC3E}">
+        <p14:creationId xmlns:p14="http://schemas.microsoft.com/office/powerpoint/2010/main" val="4028939131"/>
+      </p:ext>
+    </p:extLst>
+  </p:cSld>
+  <p:clrMapOvr>
+    <a:masterClrMapping/>
+  </p:clrMapOvr>
+  <p:transition/>
+</p:sld>
+</file>
+
+<file path=ppt/slides/slide7.xml><?xml version="1.0" encoding="utf-8"?>
+<p:sld xmlns:a="http://schemas.openxmlformats.org/drawingml/2006/main" xmlns:r="http://schemas.openxmlformats.org/officeDocument/2006/relationships" xmlns:p="http://schemas.openxmlformats.org/presentationml/2006/main">
+  <p:cSld>
+    <p:spTree>
+      <p:nvGrpSpPr>
+        <p:cNvPr id="1" name=""/>
+        <p:cNvGrpSpPr/>
+        <p:nvPr/>
+      </p:nvGrpSpPr>
+      <p:grpSpPr>
+        <a:xfrm>
+          <a:off x="0" y="0"/>
+          <a:ext cx="0" cy="0"/>
+          <a:chOff x="0" y="0"/>
+          <a:chExt cx="0" cy="0"/>
+        </a:xfrm>
+      </p:grpSpPr>
+      <p:sp>
+        <p:nvSpPr>
+          <p:cNvPr id="5123" name="Rectangle 5"/>
+          <p:cNvSpPr>
+            <a:spLocks noGrp="1" noChangeArrowheads="1"/>
+          </p:cNvSpPr>
+          <p:nvPr>
+            <p:ph type="body" idx="4294967295"/>
+          </p:nvPr>
+        </p:nvSpPr>
+        <p:spPr>
+          <a:xfrm>
+            <a:off x="2432720" y="2564904"/>
+            <a:ext cx="8089900" cy="3597275"/>
+          </a:xfrm>
+          <a:noFill/>
+        </p:spPr>
+        <p:txBody>
+          <a:bodyPr/>
+          <a:lstStyle/>
+          <a:p>
+            <a:pPr marL="0" indent="0" eaLnBrk="1" hangingPunct="1">
+              <a:lnSpc>
+                <a:spcPct val="90000"/>
+              </a:lnSpc>
+              <a:buNone/>
+            </a:pPr>
+            <a:endParaRPr lang="en-US" altLang="zh-CN" dirty="0">
+              <a:solidFill>
+                <a:srgbClr val="3D5C00"/>
+              </a:solidFill>
+              <a:ea typeface="宋体" charset="-122"/>
+            </a:endParaRPr>
+          </a:p>
+          <a:p>
+            <a:pPr marL="0" indent="0" eaLnBrk="1" hangingPunct="1">
+              <a:lnSpc>
+                <a:spcPct val="90000"/>
+              </a:lnSpc>
+              <a:buNone/>
+            </a:pPr>
+            <a:r>
+              <a:rPr lang="zh-CN" altLang="en-US" sz="4400" dirty="0">
+                <a:solidFill>
+                  <a:srgbClr val="3D5C00"/>
+                </a:solidFill>
+                <a:ea typeface="宋体" charset="-122"/>
+              </a:rPr>
+              <a:t> </a:t>
+            </a:r>
+            <a:r>
+              <a:rPr lang="en-US" altLang="zh-CN" sz="4400" dirty="0">
+                <a:solidFill>
+                  <a:srgbClr val="3D5C00"/>
+                </a:solidFill>
+                <a:ea typeface="宋体" charset="-122"/>
+              </a:rPr>
+              <a:t>RISC-V</a:t>
+            </a:r>
+            <a:r>
+              <a:rPr lang="ja-JP" altLang="en-US" sz="4400" dirty="0">
+                <a:solidFill>
+                  <a:srgbClr val="3D5C00"/>
+                </a:solidFill>
+                <a:ea typeface="宋体" charset="-122"/>
+              </a:rPr>
+              <a:t>软件生态</a:t>
+            </a:r>
+            <a:endParaRPr lang="zh-CN" altLang="en-US" sz="4400" dirty="0">
+              <a:solidFill>
+                <a:srgbClr val="3D5C00"/>
+              </a:solidFill>
+              <a:ea typeface="宋体" charset="-122"/>
+            </a:endParaRPr>
+          </a:p>
+          <a:p>
+            <a:pPr marL="0" indent="0" eaLnBrk="1" hangingPunct="1">
+              <a:lnSpc>
+                <a:spcPct val="90000"/>
+              </a:lnSpc>
+              <a:buNone/>
+            </a:pPr>
+            <a:endParaRPr lang="en-US" dirty="0">
+              <a:solidFill>
+                <a:srgbClr val="3D5C00"/>
+              </a:solidFill>
+              <a:ea typeface="宋体" charset="-122"/>
+            </a:endParaRPr>
+          </a:p>
+          <a:p>
+            <a:pPr lvl="1" eaLnBrk="1" hangingPunct="1">
+              <a:lnSpc>
+                <a:spcPct val="90000"/>
+              </a:lnSpc>
+            </a:pPr>
+            <a:endParaRPr lang="en-US" sz="1800" dirty="0">
+              <a:ea typeface="宋体" charset="-122"/>
+            </a:endParaRPr>
+          </a:p>
+          <a:p>
+            <a:pPr eaLnBrk="1" hangingPunct="1">
+              <a:lnSpc>
+                <a:spcPct val="90000"/>
+              </a:lnSpc>
+              <a:buFont typeface="Wingdings" pitchFamily="2" charset="2"/>
+              <a:buNone/>
+            </a:pPr>
+            <a:endParaRPr lang="zh-CN" altLang="en-US" sz="1800" dirty="0">
+              <a:ea typeface="宋体" charset="-122"/>
+            </a:endParaRPr>
+          </a:p>
+        </p:txBody>
+      </p:sp>
+      <p:sp>
+        <p:nvSpPr>
+          <p:cNvPr id="2" name="灯片编号占位符 1">
+            <a:extLst>
+              <a:ext uri="{FF2B5EF4-FFF2-40B4-BE49-F238E27FC236}">
+                <a16:creationId xmlns:a16="http://schemas.microsoft.com/office/drawing/2014/main" id="{D4A3F2F0-AEA2-40CD-8A4C-B59080E3DA0A}"/>
+              </a:ext>
+            </a:extLst>
+          </p:cNvPr>
+          <p:cNvSpPr>
+            <a:spLocks noGrp="1"/>
+          </p:cNvSpPr>
+          <p:nvPr>
+            <p:ph type="sldNum" sz="quarter" idx="12"/>
+          </p:nvPr>
+        </p:nvSpPr>
+        <p:spPr/>
+        <p:txBody>
+          <a:bodyPr/>
+          <a:lstStyle/>
+          <a:p>
+            <a:pPr>
+              <a:defRPr/>
+            </a:pPr>
+            <a:fld id="{F3E041F5-C80F-41AD-85A6-1DB15A00DDFA}" type="slidenum">
+              <a:rPr lang="en-US" altLang="zh-CN" smtClean="0"/>
+              <a:pPr>
+                <a:defRPr/>
+              </a:pPr>
+              <a:t>7</a:t>
+            </a:fld>
+            <a:endParaRPr lang="en-US" altLang="zh-CN"/>
+          </a:p>
+        </p:txBody>
+      </p:sp>
+    </p:spTree>
+    <p:extLst>
+      <p:ext uri="{BB962C8B-B14F-4D97-AF65-F5344CB8AC3E}">
+        <p14:creationId xmlns:p14="http://schemas.microsoft.com/office/powerpoint/2010/main" val="1446770811"/>
+      </p:ext>
+    </p:extLst>
+  </p:cSld>
+  <p:clrMapOvr>
+    <a:masterClrMapping/>
+  </p:clrMapOvr>
+</p:sld>
+</file>
+
+<file path=ppt/slides/slide8.xml><?xml version="1.0" encoding="utf-8"?>
+<p:sld xmlns:a="http://schemas.openxmlformats.org/drawingml/2006/main" xmlns:r="http://schemas.openxmlformats.org/officeDocument/2006/relationships" xmlns:p="http://schemas.openxmlformats.org/presentationml/2006/main">
+  <p:cSld>
+    <p:spTree>
+      <p:nvGrpSpPr>
+        <p:cNvPr id="1" name=""/>
+        <p:cNvGrpSpPr/>
+        <p:nvPr/>
+      </p:nvGrpSpPr>
+      <p:grpSpPr>
+        <a:xfrm>
+          <a:off x="0" y="0"/>
+          <a:ext cx="0" cy="0"/>
+          <a:chOff x="0" y="0"/>
+          <a:chExt cx="0" cy="0"/>
+        </a:xfrm>
+      </p:grpSpPr>
+      <p:sp>
+        <p:nvSpPr>
+          <p:cNvPr id="2" name="标题 1">
+            <a:extLst>
+              <a:ext uri="{FF2B5EF4-FFF2-40B4-BE49-F238E27FC236}">
+                <a16:creationId xmlns:a16="http://schemas.microsoft.com/office/drawing/2014/main" id="{4CFA0DCB-99E1-21A7-966F-BDD4CEF8C27D}"/>
+              </a:ext>
+            </a:extLst>
+          </p:cNvPr>
+          <p:cNvSpPr>
+            <a:spLocks noGrp="1"/>
+          </p:cNvSpPr>
+          <p:nvPr>
+            <p:ph type="title"/>
+          </p:nvPr>
+        </p:nvSpPr>
+        <p:spPr/>
+        <p:txBody>
+          <a:bodyPr/>
+          <a:lstStyle/>
+          <a:p>
+            <a:r>
+              <a:rPr lang="en-US" dirty="0"/>
+              <a:t>RISC-V </a:t>
+            </a:r>
+            <a:r>
+              <a:rPr lang="zh-CN" altLang="en-US" dirty="0"/>
+              <a:t>软件生态</a:t>
+            </a:r>
+            <a:endParaRPr lang="en-US" dirty="0"/>
+          </a:p>
+        </p:txBody>
+      </p:sp>
+      <p:sp>
+        <p:nvSpPr>
+          <p:cNvPr id="3" name="内容占位符 2">
+            <a:extLst>
+              <a:ext uri="{FF2B5EF4-FFF2-40B4-BE49-F238E27FC236}">
+                <a16:creationId xmlns:a16="http://schemas.microsoft.com/office/drawing/2014/main" id="{708A0AC7-5F98-D93B-2E21-231008424487}"/>
+              </a:ext>
+            </a:extLst>
+          </p:cNvPr>
+          <p:cNvSpPr>
+            <a:spLocks noGrp="1"/>
+          </p:cNvSpPr>
+          <p:nvPr>
+            <p:ph idx="1"/>
+          </p:nvPr>
+        </p:nvSpPr>
+        <p:spPr/>
+        <p:txBody>
+          <a:bodyPr/>
+          <a:lstStyle/>
+          <a:p>
+            <a:r>
+              <a:rPr lang="en-US" dirty="0"/>
+              <a:t>https://github.com/riscvarchive/riscv-software-list</a:t>
+            </a:r>
+          </a:p>
+        </p:txBody>
+      </p:sp>
+      <p:sp>
+        <p:nvSpPr>
+          <p:cNvPr id="4" name="灯片编号占位符 3">
+            <a:extLst>
+              <a:ext uri="{FF2B5EF4-FFF2-40B4-BE49-F238E27FC236}">
+                <a16:creationId xmlns:a16="http://schemas.microsoft.com/office/drawing/2014/main" id="{236D83A2-436F-4F2B-3A21-55BEA956D8AF}"/>
+              </a:ext>
+            </a:extLst>
+          </p:cNvPr>
+          <p:cNvSpPr>
+            <a:spLocks noGrp="1"/>
+          </p:cNvSpPr>
+          <p:nvPr>
+            <p:ph type="sldNum" sz="quarter" idx="12"/>
+          </p:nvPr>
+        </p:nvSpPr>
+        <p:spPr/>
+        <p:txBody>
+          <a:bodyPr/>
+          <a:lstStyle/>
+          <a:p>
+            <a:pPr>
+              <a:defRPr/>
+            </a:pPr>
+            <a:fld id="{581DD3E0-5F7C-46B2-AE3F-E81668104769}" type="slidenum">
+              <a:rPr lang="en-US" altLang="zh-CN" smtClean="0"/>
+              <a:pPr>
+                <a:defRPr/>
+              </a:pPr>
+              <a:t>8</a:t>
+            </a:fld>
+            <a:endParaRPr lang="en-US" altLang="zh-CN"/>
+          </a:p>
+        </p:txBody>
+      </p:sp>
+    </p:spTree>
+    <p:extLst>
+      <p:ext uri="{BB962C8B-B14F-4D97-AF65-F5344CB8AC3E}">
+        <p14:creationId xmlns:p14="http://schemas.microsoft.com/office/powerpoint/2010/main" val="3443106900"/>
+      </p:ext>
+    </p:extLst>
+  </p:cSld>
+  <p:clrMapOvr>
+    <a:masterClrMapping/>
+  </p:clrMapOvr>
+  <p:transition/>
+</p:sld>
+</file>
+
+<file path=ppt/slides/slide9.xml><?xml version="1.0" encoding="utf-8"?>
+<p:sld xmlns:a="http://schemas.openxmlformats.org/drawingml/2006/main" xmlns:r="http://schemas.openxmlformats.org/officeDocument/2006/relationships" xmlns:p="http://schemas.openxmlformats.org/presentationml/2006/main">
+  <p:cSld>
+    <p:spTree>
+      <p:nvGrpSpPr>
+        <p:cNvPr id="1" name=""/>
+        <p:cNvGrpSpPr/>
+        <p:nvPr/>
+      </p:nvGrpSpPr>
+      <p:grpSpPr>
+        <a:xfrm>
+          <a:off x="0" y="0"/>
+          <a:ext cx="0" cy="0"/>
+          <a:chOff x="0" y="0"/>
+          <a:chExt cx="0" cy="0"/>
+        </a:xfrm>
+      </p:grpSpPr>
+      <p:sp>
+        <p:nvSpPr>
+          <p:cNvPr id="2" name="标题 1">
+            <a:extLst>
+              <a:ext uri="{FF2B5EF4-FFF2-40B4-BE49-F238E27FC236}">
+                <a16:creationId xmlns:a16="http://schemas.microsoft.com/office/drawing/2014/main" id="{4CFA0DCB-99E1-21A7-966F-BDD4CEF8C27D}"/>
+              </a:ext>
+            </a:extLst>
+          </p:cNvPr>
+          <p:cNvSpPr>
+            <a:spLocks noGrp="1"/>
+          </p:cNvSpPr>
+          <p:nvPr>
+            <p:ph type="title"/>
+          </p:nvPr>
+        </p:nvSpPr>
+        <p:spPr/>
+        <p:txBody>
+          <a:bodyPr/>
+          <a:lstStyle/>
+          <a:p>
+            <a:r>
+              <a:rPr lang="en-US" dirty="0"/>
+              <a:t>RISC-V </a:t>
+            </a:r>
+            <a:r>
+              <a:rPr lang="zh-CN" altLang="en-US" dirty="0"/>
+              <a:t>软件生态</a:t>
+            </a:r>
+            <a:endParaRPr lang="en-US" dirty="0"/>
+          </a:p>
+        </p:txBody>
+      </p:sp>
+      <p:sp>
+        <p:nvSpPr>
+          <p:cNvPr id="3" name="内容占位符 2">
+            <a:extLst>
+              <a:ext uri="{FF2B5EF4-FFF2-40B4-BE49-F238E27FC236}">
+                <a16:creationId xmlns:a16="http://schemas.microsoft.com/office/drawing/2014/main" id="{708A0AC7-5F98-D93B-2E21-231008424487}"/>
+              </a:ext>
+            </a:extLst>
+          </p:cNvPr>
+          <p:cNvSpPr>
+            <a:spLocks noGrp="1"/>
+          </p:cNvSpPr>
+          <p:nvPr>
+            <p:ph idx="1"/>
+          </p:nvPr>
+        </p:nvSpPr>
+        <p:spPr/>
+        <p:txBody>
+          <a:bodyPr/>
+          <a:lstStyle/>
+          <a:p>
+            <a:r>
+              <a:rPr lang="en-US" dirty="0"/>
+              <a:t>https://github.com/riscvarchive/riscv-software-list</a:t>
+            </a:r>
+          </a:p>
+        </p:txBody>
+      </p:sp>
+      <p:sp>
+        <p:nvSpPr>
+          <p:cNvPr id="4" name="灯片编号占位符 3">
+            <a:extLst>
+              <a:ext uri="{FF2B5EF4-FFF2-40B4-BE49-F238E27FC236}">
+                <a16:creationId xmlns:a16="http://schemas.microsoft.com/office/drawing/2014/main" id="{236D83A2-436F-4F2B-3A21-55BEA956D8AF}"/>
+              </a:ext>
+            </a:extLst>
+          </p:cNvPr>
+          <p:cNvSpPr>
+            <a:spLocks noGrp="1"/>
+          </p:cNvSpPr>
+          <p:nvPr>
+            <p:ph type="sldNum" sz="quarter" idx="12"/>
+          </p:nvPr>
+        </p:nvSpPr>
+        <p:spPr/>
+        <p:txBody>
+          <a:bodyPr/>
+          <a:lstStyle/>
+          <a:p>
+            <a:pPr>
+              <a:defRPr/>
+            </a:pPr>
+            <a:fld id="{581DD3E0-5F7C-46B2-AE3F-E81668104769}" type="slidenum">
+              <a:rPr lang="en-US" altLang="zh-CN" smtClean="0"/>
+              <a:pPr>
+                <a:defRPr/>
+              </a:pPr>
+              <a:t>9</a:t>
+            </a:fld>
+            <a:endParaRPr lang="en-US" altLang="zh-CN"/>
+          </a:p>
+        </p:txBody>
+      </p:sp>
+    </p:spTree>
+    <p:extLst>
+      <p:ext uri="{BB962C8B-B14F-4D97-AF65-F5344CB8AC3E}">
+        <p14:creationId xmlns:p14="http://schemas.microsoft.com/office/powerpoint/2010/main" val="4037253002"/>
       </p:ext>
     </p:extLst>
   </p:cSld>

--- a/Files/Chapter1/Class2/第一章_第二讲_RISC-V软硬件生态.pptx
+++ b/Files/Chapter1/Class2/第一章_第二讲_RISC-V软硬件生态.pptx
@@ -5,10 +5,10 @@
     <p:sldMasterId id="2147483649" r:id="rId1"/>
   </p:sldMasterIdLst>
   <p:notesMasterIdLst>
-    <p:notesMasterId r:id="rId16"/>
+    <p:notesMasterId r:id="rId15"/>
   </p:notesMasterIdLst>
   <p:handoutMasterIdLst>
-    <p:handoutMasterId r:id="rId17"/>
+    <p:handoutMasterId r:id="rId16"/>
   </p:handoutMasterIdLst>
   <p:sldIdLst>
     <p:sldId id="256" r:id="rId2"/>
@@ -18,13 +18,12 @@
     <p:sldId id="311" r:id="rId6"/>
     <p:sldId id="313" r:id="rId7"/>
     <p:sldId id="316" r:id="rId8"/>
-    <p:sldId id="317" r:id="rId9"/>
-    <p:sldId id="318" r:id="rId10"/>
-    <p:sldId id="321" r:id="rId11"/>
-    <p:sldId id="322" r:id="rId12"/>
-    <p:sldId id="319" r:id="rId13"/>
-    <p:sldId id="320" r:id="rId14"/>
-    <p:sldId id="312" r:id="rId15"/>
+    <p:sldId id="318" r:id="rId9"/>
+    <p:sldId id="321" r:id="rId10"/>
+    <p:sldId id="322" r:id="rId11"/>
+    <p:sldId id="319" r:id="rId12"/>
+    <p:sldId id="320" r:id="rId13"/>
+    <p:sldId id="312" r:id="rId14"/>
   </p:sldIdLst>
   <p:sldSz cx="9906000" cy="6858000" type="A4"/>
   <p:notesSz cx="6797675" cy="9928225"/>
@@ -1206,7 +1205,7 @@
               <a:pPr>
                 <a:defRPr/>
               </a:pPr>
-              <a:t>12</a:t>
+              <a:t>11</a:t>
             </a:fld>
             <a:endParaRPr lang="en-US" altLang="zh-CN"/>
           </a:p>
@@ -1300,7 +1299,7 @@
               <a:pPr>
                 <a:defRPr/>
               </a:pPr>
-              <a:t>13</a:t>
+              <a:t>12</a:t>
             </a:fld>
             <a:endParaRPr lang="en-US" altLang="zh-CN"/>
           </a:p>
@@ -5511,7 +5510,7 @@
           <p:cNvPr id="2" name="标题 1">
             <a:extLst>
               <a:ext uri="{FF2B5EF4-FFF2-40B4-BE49-F238E27FC236}">
-                <a16:creationId xmlns:a16="http://schemas.microsoft.com/office/drawing/2014/main" id="{CA3AFEAE-FB66-579A-07C0-995ADBD2339A}"/>
+                <a16:creationId xmlns:a16="http://schemas.microsoft.com/office/drawing/2014/main" id="{50D9D042-7815-D36A-A0C0-1ED8F5238099}"/>
               </a:ext>
             </a:extLst>
           </p:cNvPr>
@@ -5541,10 +5540,46 @@
       </p:sp>
       <p:sp>
         <p:nvSpPr>
+          <p:cNvPr id="3" name="内容占位符 2">
+            <a:extLst>
+              <a:ext uri="{FF2B5EF4-FFF2-40B4-BE49-F238E27FC236}">
+                <a16:creationId xmlns:a16="http://schemas.microsoft.com/office/drawing/2014/main" id="{8283090E-8984-1E22-026B-E552AD76C9EE}"/>
+              </a:ext>
+            </a:extLst>
+          </p:cNvPr>
+          <p:cNvSpPr>
+            <a:spLocks noGrp="1"/>
+          </p:cNvSpPr>
+          <p:nvPr>
+            <p:ph idx="1"/>
+          </p:nvPr>
+        </p:nvSpPr>
+        <p:spPr/>
+        <p:txBody>
+          <a:bodyPr/>
+          <a:lstStyle/>
+          <a:p>
+            <a:r>
+              <a:rPr lang="zh-CN" altLang="en-US" dirty="0"/>
+              <a:t>配置验证工具</a:t>
+            </a:r>
+            <a:endParaRPr lang="en-US" altLang="zh-CN" dirty="0"/>
+          </a:p>
+          <a:p>
+            <a:r>
+              <a:rPr lang="zh-CN" altLang="en-US" dirty="0"/>
+              <a:t>加速库</a:t>
+            </a:r>
+            <a:endParaRPr lang="en-US" dirty="0"/>
+          </a:p>
+        </p:txBody>
+      </p:sp>
+      <p:sp>
+        <p:nvSpPr>
           <p:cNvPr id="4" name="灯片编号占位符 3">
             <a:extLst>
               <a:ext uri="{FF2B5EF4-FFF2-40B4-BE49-F238E27FC236}">
-                <a16:creationId xmlns:a16="http://schemas.microsoft.com/office/drawing/2014/main" id="{3D7DF1E7-3798-778F-C2F0-5AAD53194B9F}"/>
+                <a16:creationId xmlns:a16="http://schemas.microsoft.com/office/drawing/2014/main" id="{DCDA2B0F-CBE6-CBBB-1E81-7FA52363AD24}"/>
               </a:ext>
             </a:extLst>
           </p:cNvPr>
@@ -5574,133 +5609,10 @@
           </a:p>
         </p:txBody>
       </p:sp>
-      <p:sp>
-        <p:nvSpPr>
-          <p:cNvPr id="7" name="内容占位符 6">
-            <a:extLst>
-              <a:ext uri="{FF2B5EF4-FFF2-40B4-BE49-F238E27FC236}">
-                <a16:creationId xmlns:a16="http://schemas.microsoft.com/office/drawing/2014/main" id="{63E98962-960A-DA82-D050-77CE2CC56408}"/>
-              </a:ext>
-            </a:extLst>
-          </p:cNvPr>
-          <p:cNvSpPr>
-            <a:spLocks noGrp="1"/>
-          </p:cNvSpPr>
-          <p:nvPr>
-            <p:ph idx="1"/>
-          </p:nvPr>
-        </p:nvSpPr>
-        <p:spPr/>
-        <p:txBody>
-          <a:bodyPr/>
-          <a:lstStyle/>
-          <a:p>
-            <a:r>
-              <a:rPr lang="zh-CN" altLang="en-US" dirty="0"/>
-              <a:t>模拟器</a:t>
-            </a:r>
-            <a:endParaRPr lang="en-US" altLang="zh-CN" dirty="0"/>
-          </a:p>
-          <a:p>
-            <a:r>
-              <a:rPr lang="zh-CN" altLang="en-US" dirty="0"/>
-              <a:t>对象工具链</a:t>
-            </a:r>
-            <a:endParaRPr lang="en-US" altLang="zh-CN" dirty="0"/>
-          </a:p>
-          <a:p>
-            <a:r>
-              <a:rPr lang="zh-CN" altLang="en-US" dirty="0"/>
-              <a:t>调试</a:t>
-            </a:r>
-            <a:endParaRPr lang="en-US" altLang="zh-CN" dirty="0"/>
-          </a:p>
-          <a:p>
-            <a:r>
-              <a:rPr lang="en-US" altLang="zh-CN" dirty="0"/>
-              <a:t>C </a:t>
-            </a:r>
-            <a:r>
-              <a:rPr lang="zh-CN" altLang="en-US" dirty="0"/>
-              <a:t>编译器和库</a:t>
-            </a:r>
-            <a:endParaRPr lang="en-US" altLang="zh-CN" dirty="0"/>
-          </a:p>
-          <a:p>
-            <a:r>
-              <a:rPr lang="zh-CN" altLang="en-US" dirty="0"/>
-              <a:t>引导加载程序和监视器</a:t>
-            </a:r>
-            <a:endParaRPr lang="en-US" altLang="zh-CN" dirty="0"/>
-          </a:p>
-          <a:p>
-            <a:r>
-              <a:rPr lang="zh-CN" altLang="en-US" dirty="0"/>
-              <a:t>管理程序和相关工具</a:t>
-            </a:r>
-            <a:endParaRPr lang="en-US" altLang="zh-CN" dirty="0"/>
-          </a:p>
-          <a:p>
-            <a:r>
-              <a:rPr lang="zh-CN" altLang="en-US" dirty="0"/>
-              <a:t>操作系统和操作系统内核</a:t>
-            </a:r>
-            <a:endParaRPr lang="en-US" altLang="zh-CN" dirty="0"/>
-          </a:p>
-          <a:p>
-            <a:r>
-              <a:rPr lang="zh-CN" altLang="en-US" dirty="0"/>
-              <a:t>其他语言的编译器和运行时</a:t>
-            </a:r>
-            <a:endParaRPr lang="en-US" altLang="zh-CN" dirty="0"/>
-          </a:p>
-          <a:p>
-            <a:r>
-              <a:rPr lang="en-US" altLang="zh-CN" dirty="0"/>
-              <a:t>IDE</a:t>
-            </a:r>
-            <a:r>
-              <a:rPr lang="zh-CN" altLang="en-US" dirty="0"/>
-              <a:t>、</a:t>
-            </a:r>
-            <a:r>
-              <a:rPr lang="en-US" altLang="zh-CN" dirty="0"/>
-              <a:t>SDK </a:t>
-            </a:r>
-            <a:r>
-              <a:rPr lang="zh-CN" altLang="en-US" dirty="0"/>
-              <a:t>和二进制工具链发行版</a:t>
-            </a:r>
-            <a:endParaRPr lang="en-US" altLang="zh-CN" dirty="0"/>
-          </a:p>
-          <a:p>
-            <a:r>
-              <a:rPr lang="zh-CN" altLang="en-US" dirty="0"/>
-              <a:t>安全</a:t>
-            </a:r>
-            <a:endParaRPr lang="en-US" altLang="zh-CN" dirty="0"/>
-          </a:p>
-          <a:p>
-            <a:r>
-              <a:rPr lang="zh-CN" altLang="en-US" dirty="0"/>
-              <a:t>机器学习</a:t>
-            </a:r>
-            <a:r>
-              <a:rPr lang="en-US" altLang="zh-CN" dirty="0"/>
-              <a:t>/</a:t>
-            </a:r>
-            <a:r>
-              <a:rPr lang="zh-CN" altLang="en-US" dirty="0"/>
-              <a:t>人工智能</a:t>
-            </a:r>
-            <a:endParaRPr lang="en-US" dirty="0"/>
-          </a:p>
-        </p:txBody>
-      </p:sp>
     </p:spTree>
     <p:extLst>
       <p:ext uri="{BB962C8B-B14F-4D97-AF65-F5344CB8AC3E}">
-        <p14:creationId xmlns:p14="http://schemas.microsoft.com/office/powerpoint/2010/main" val="835150178"/>
+        <p14:creationId xmlns:p14="http://schemas.microsoft.com/office/powerpoint/2010/main" val="3397961154"/>
       </p:ext>
     </p:extLst>
   </p:cSld>
@@ -5733,7 +5645,7 @@
           <p:cNvPr id="2" name="标题 1">
             <a:extLst>
               <a:ext uri="{FF2B5EF4-FFF2-40B4-BE49-F238E27FC236}">
-                <a16:creationId xmlns:a16="http://schemas.microsoft.com/office/drawing/2014/main" id="{50D9D042-7815-D36A-A0C0-1ED8F5238099}"/>
+                <a16:creationId xmlns:a16="http://schemas.microsoft.com/office/drawing/2014/main" id="{4CFA0DCB-99E1-21A7-966F-BDD4CEF8C27D}"/>
               </a:ext>
             </a:extLst>
           </p:cNvPr>
@@ -5761,48 +5673,41 @@
           </a:p>
         </p:txBody>
       </p:sp>
-      <p:sp>
-        <p:nvSpPr>
-          <p:cNvPr id="3" name="内容占位符 2">
+      <p:pic>
+        <p:nvPicPr>
+          <p:cNvPr id="6" name="内容占位符 5">
             <a:extLst>
               <a:ext uri="{FF2B5EF4-FFF2-40B4-BE49-F238E27FC236}">
-                <a16:creationId xmlns:a16="http://schemas.microsoft.com/office/drawing/2014/main" id="{8283090E-8984-1E22-026B-E552AD76C9EE}"/>
+                <a16:creationId xmlns:a16="http://schemas.microsoft.com/office/drawing/2014/main" id="{B9EAF8FC-6645-AABA-9704-D6412EE86840}"/>
               </a:ext>
             </a:extLst>
           </p:cNvPr>
-          <p:cNvSpPr>
-            <a:spLocks noGrp="1"/>
-          </p:cNvSpPr>
+          <p:cNvPicPr>
+            <a:picLocks noGrp="1" noChangeAspect="1"/>
+          </p:cNvPicPr>
           <p:nvPr>
             <p:ph idx="1"/>
           </p:nvPr>
-        </p:nvSpPr>
-        <p:spPr/>
-        <p:txBody>
-          <a:bodyPr/>
-          <a:lstStyle/>
-          <a:p>
-            <a:r>
-              <a:rPr lang="zh-CN" altLang="en-US" dirty="0"/>
-              <a:t>配置验证工具</a:t>
-            </a:r>
-            <a:endParaRPr lang="en-US" altLang="zh-CN" dirty="0"/>
-          </a:p>
-          <a:p>
-            <a:r>
-              <a:rPr lang="zh-CN" altLang="en-US" dirty="0"/>
-              <a:t>加速库</a:t>
-            </a:r>
-            <a:endParaRPr lang="en-US" dirty="0"/>
-          </a:p>
-        </p:txBody>
-      </p:sp>
+        </p:nvPicPr>
+        <p:blipFill>
+          <a:blip r:embed="rId3"/>
+          <a:stretch>
+            <a:fillRect/>
+          </a:stretch>
+        </p:blipFill>
+        <p:spPr>
+          <a:xfrm>
+            <a:off x="272480" y="1385729"/>
+            <a:ext cx="8534136" cy="4919122"/>
+          </a:xfrm>
+        </p:spPr>
+      </p:pic>
       <p:sp>
         <p:nvSpPr>
           <p:cNvPr id="4" name="灯片编号占位符 3">
             <a:extLst>
               <a:ext uri="{FF2B5EF4-FFF2-40B4-BE49-F238E27FC236}">
-                <a16:creationId xmlns:a16="http://schemas.microsoft.com/office/drawing/2014/main" id="{DCDA2B0F-CBE6-CBBB-1E81-7FA52363AD24}"/>
+                <a16:creationId xmlns:a16="http://schemas.microsoft.com/office/drawing/2014/main" id="{236D83A2-436F-4F2B-3A21-55BEA956D8AF}"/>
               </a:ext>
             </a:extLst>
           </p:cNvPr>
@@ -5835,7 +5740,7 @@
     </p:spTree>
     <p:extLst>
       <p:ext uri="{BB962C8B-B14F-4D97-AF65-F5344CB8AC3E}">
-        <p14:creationId xmlns:p14="http://schemas.microsoft.com/office/powerpoint/2010/main" val="3397961154"/>
+        <p14:creationId xmlns:p14="http://schemas.microsoft.com/office/powerpoint/2010/main" val="3769970089"/>
       </p:ext>
     </p:extLst>
   </p:cSld>
@@ -5896,35 +5801,31 @@
           </a:p>
         </p:txBody>
       </p:sp>
-      <p:pic>
-        <p:nvPicPr>
-          <p:cNvPr id="6" name="内容占位符 5">
+      <p:sp>
+        <p:nvSpPr>
+          <p:cNvPr id="3" name="内容占位符 2">
             <a:extLst>
               <a:ext uri="{FF2B5EF4-FFF2-40B4-BE49-F238E27FC236}">
-                <a16:creationId xmlns:a16="http://schemas.microsoft.com/office/drawing/2014/main" id="{B9EAF8FC-6645-AABA-9704-D6412EE86840}"/>
+                <a16:creationId xmlns:a16="http://schemas.microsoft.com/office/drawing/2014/main" id="{708A0AC7-5F98-D93B-2E21-231008424487}"/>
               </a:ext>
             </a:extLst>
           </p:cNvPr>
-          <p:cNvPicPr>
-            <a:picLocks noGrp="1" noChangeAspect="1"/>
-          </p:cNvPicPr>
+          <p:cNvSpPr>
+            <a:spLocks noGrp="1"/>
+          </p:cNvSpPr>
           <p:nvPr>
             <p:ph idx="1"/>
           </p:nvPr>
-        </p:nvPicPr>
-        <p:blipFill>
-          <a:blip r:embed="rId3"/>
-          <a:stretch>
-            <a:fillRect/>
-          </a:stretch>
-        </p:blipFill>
-        <p:spPr>
-          <a:xfrm>
-            <a:off x="272480" y="1385729"/>
-            <a:ext cx="8534136" cy="4919122"/>
-          </a:xfrm>
-        </p:spPr>
-      </p:pic>
+        </p:nvSpPr>
+        <p:spPr/>
+        <p:txBody>
+          <a:bodyPr/>
+          <a:lstStyle/>
+          <a:p>
+            <a:endParaRPr lang="en-US" dirty="0"/>
+          </a:p>
+        </p:txBody>
+      </p:sp>
       <p:sp>
         <p:nvSpPr>
           <p:cNvPr id="4" name="灯片编号占位符 3">
@@ -5955,130 +5856,6 @@
                 <a:defRPr/>
               </a:pPr>
               <a:t>12</a:t>
-            </a:fld>
-            <a:endParaRPr lang="en-US" altLang="zh-CN"/>
-          </a:p>
-        </p:txBody>
-      </p:sp>
-    </p:spTree>
-    <p:extLst>
-      <p:ext uri="{BB962C8B-B14F-4D97-AF65-F5344CB8AC3E}">
-        <p14:creationId xmlns:p14="http://schemas.microsoft.com/office/powerpoint/2010/main" val="3769970089"/>
-      </p:ext>
-    </p:extLst>
-  </p:cSld>
-  <p:clrMapOvr>
-    <a:masterClrMapping/>
-  </p:clrMapOvr>
-  <p:transition/>
-</p:sld>
-</file>
-
-<file path=ppt/slides/slide13.xml><?xml version="1.0" encoding="utf-8"?>
-<p:sld xmlns:a="http://schemas.openxmlformats.org/drawingml/2006/main" xmlns:r="http://schemas.openxmlformats.org/officeDocument/2006/relationships" xmlns:p="http://schemas.openxmlformats.org/presentationml/2006/main">
-  <p:cSld>
-    <p:spTree>
-      <p:nvGrpSpPr>
-        <p:cNvPr id="1" name=""/>
-        <p:cNvGrpSpPr/>
-        <p:nvPr/>
-      </p:nvGrpSpPr>
-      <p:grpSpPr>
-        <a:xfrm>
-          <a:off x="0" y="0"/>
-          <a:ext cx="0" cy="0"/>
-          <a:chOff x="0" y="0"/>
-          <a:chExt cx="0" cy="0"/>
-        </a:xfrm>
-      </p:grpSpPr>
-      <p:sp>
-        <p:nvSpPr>
-          <p:cNvPr id="2" name="标题 1">
-            <a:extLst>
-              <a:ext uri="{FF2B5EF4-FFF2-40B4-BE49-F238E27FC236}">
-                <a16:creationId xmlns:a16="http://schemas.microsoft.com/office/drawing/2014/main" id="{4CFA0DCB-99E1-21A7-966F-BDD4CEF8C27D}"/>
-              </a:ext>
-            </a:extLst>
-          </p:cNvPr>
-          <p:cNvSpPr>
-            <a:spLocks noGrp="1"/>
-          </p:cNvSpPr>
-          <p:nvPr>
-            <p:ph type="title"/>
-          </p:nvPr>
-        </p:nvSpPr>
-        <p:spPr/>
-        <p:txBody>
-          <a:bodyPr/>
-          <a:lstStyle/>
-          <a:p>
-            <a:r>
-              <a:rPr lang="en-US" dirty="0"/>
-              <a:t>RISC-V </a:t>
-            </a:r>
-            <a:r>
-              <a:rPr lang="zh-CN" altLang="en-US" dirty="0"/>
-              <a:t>软件生态</a:t>
-            </a:r>
-            <a:endParaRPr lang="en-US" dirty="0"/>
-          </a:p>
-        </p:txBody>
-      </p:sp>
-      <p:sp>
-        <p:nvSpPr>
-          <p:cNvPr id="3" name="内容占位符 2">
-            <a:extLst>
-              <a:ext uri="{FF2B5EF4-FFF2-40B4-BE49-F238E27FC236}">
-                <a16:creationId xmlns:a16="http://schemas.microsoft.com/office/drawing/2014/main" id="{708A0AC7-5F98-D93B-2E21-231008424487}"/>
-              </a:ext>
-            </a:extLst>
-          </p:cNvPr>
-          <p:cNvSpPr>
-            <a:spLocks noGrp="1"/>
-          </p:cNvSpPr>
-          <p:nvPr>
-            <p:ph idx="1"/>
-          </p:nvPr>
-        </p:nvSpPr>
-        <p:spPr/>
-        <p:txBody>
-          <a:bodyPr/>
-          <a:lstStyle/>
-          <a:p>
-            <a:endParaRPr lang="en-US" dirty="0"/>
-          </a:p>
-        </p:txBody>
-      </p:sp>
-      <p:sp>
-        <p:nvSpPr>
-          <p:cNvPr id="4" name="灯片编号占位符 3">
-            <a:extLst>
-              <a:ext uri="{FF2B5EF4-FFF2-40B4-BE49-F238E27FC236}">
-                <a16:creationId xmlns:a16="http://schemas.microsoft.com/office/drawing/2014/main" id="{236D83A2-436F-4F2B-3A21-55BEA956D8AF}"/>
-              </a:ext>
-            </a:extLst>
-          </p:cNvPr>
-          <p:cNvSpPr>
-            <a:spLocks noGrp="1"/>
-          </p:cNvSpPr>
-          <p:nvPr>
-            <p:ph type="sldNum" sz="quarter" idx="12"/>
-          </p:nvPr>
-        </p:nvSpPr>
-        <p:spPr/>
-        <p:txBody>
-          <a:bodyPr/>
-          <a:lstStyle/>
-          <a:p>
-            <a:pPr>
-              <a:defRPr/>
-            </a:pPr>
-            <a:fld id="{581DD3E0-5F7C-46B2-AE3F-E81668104769}" type="slidenum">
-              <a:rPr lang="en-US" altLang="zh-CN" smtClean="0"/>
-              <a:pPr>
-                <a:defRPr/>
-              </a:pPr>
-              <a:t>13</a:t>
             </a:fld>
             <a:endParaRPr lang="en-US" altLang="zh-CN"/>
           </a:p>
@@ -6128,7 +5905,7 @@
 </p:sld>
 </file>
 
-<file path=ppt/slides/slide14.xml><?xml version="1.0" encoding="utf-8"?>
+<file path=ppt/slides/slide13.xml><?xml version="1.0" encoding="utf-8"?>
 <p:sld xmlns:a="http://schemas.openxmlformats.org/drawingml/2006/main" xmlns:r="http://schemas.openxmlformats.org/officeDocument/2006/relationships" xmlns:p="http://schemas.openxmlformats.org/presentationml/2006/main">
   <p:cSld>
     <p:spTree>
@@ -6199,7 +5976,7 @@
               <a:pPr>
                 <a:defRPr/>
               </a:pPr>
-              <a:t>14</a:t>
+              <a:t>13</a:t>
             </a:fld>
             <a:endParaRPr lang="en-US" altLang="zh-CN"/>
           </a:p>
@@ -8446,7 +8223,7 @@
     </p:spTree>
     <p:extLst>
       <p:ext uri="{BB962C8B-B14F-4D97-AF65-F5344CB8AC3E}">
-        <p14:creationId xmlns:p14="http://schemas.microsoft.com/office/powerpoint/2010/main" val="3443106900"/>
+        <p14:creationId xmlns:p14="http://schemas.microsoft.com/office/powerpoint/2010/main" val="4037253002"/>
       </p:ext>
     </p:extLst>
   </p:cSld>
@@ -8479,7 +8256,7 @@
           <p:cNvPr id="2" name="标题 1">
             <a:extLst>
               <a:ext uri="{FF2B5EF4-FFF2-40B4-BE49-F238E27FC236}">
-                <a16:creationId xmlns:a16="http://schemas.microsoft.com/office/drawing/2014/main" id="{4CFA0DCB-99E1-21A7-966F-BDD4CEF8C27D}"/>
+                <a16:creationId xmlns:a16="http://schemas.microsoft.com/office/drawing/2014/main" id="{CA3AFEAE-FB66-579A-07C0-995ADBD2339A}"/>
               </a:ext>
             </a:extLst>
           </p:cNvPr>
@@ -8509,38 +8286,10 @@
       </p:sp>
       <p:sp>
         <p:nvSpPr>
-          <p:cNvPr id="3" name="内容占位符 2">
-            <a:extLst>
-              <a:ext uri="{FF2B5EF4-FFF2-40B4-BE49-F238E27FC236}">
-                <a16:creationId xmlns:a16="http://schemas.microsoft.com/office/drawing/2014/main" id="{708A0AC7-5F98-D93B-2E21-231008424487}"/>
-              </a:ext>
-            </a:extLst>
-          </p:cNvPr>
-          <p:cNvSpPr>
-            <a:spLocks noGrp="1"/>
-          </p:cNvSpPr>
-          <p:nvPr>
-            <p:ph idx="1"/>
-          </p:nvPr>
-        </p:nvSpPr>
-        <p:spPr/>
-        <p:txBody>
-          <a:bodyPr/>
-          <a:lstStyle/>
-          <a:p>
-            <a:r>
-              <a:rPr lang="en-US" dirty="0"/>
-              <a:t>https://github.com/riscvarchive/riscv-software-list</a:t>
-            </a:r>
-          </a:p>
-        </p:txBody>
-      </p:sp>
-      <p:sp>
-        <p:nvSpPr>
           <p:cNvPr id="4" name="灯片编号占位符 3">
             <a:extLst>
               <a:ext uri="{FF2B5EF4-FFF2-40B4-BE49-F238E27FC236}">
-                <a16:creationId xmlns:a16="http://schemas.microsoft.com/office/drawing/2014/main" id="{236D83A2-436F-4F2B-3A21-55BEA956D8AF}"/>
+                <a16:creationId xmlns:a16="http://schemas.microsoft.com/office/drawing/2014/main" id="{3D7DF1E7-3798-778F-C2F0-5AAD53194B9F}"/>
               </a:ext>
             </a:extLst>
           </p:cNvPr>
@@ -8570,10 +8319,133 @@
           </a:p>
         </p:txBody>
       </p:sp>
+      <p:sp>
+        <p:nvSpPr>
+          <p:cNvPr id="7" name="内容占位符 6">
+            <a:extLst>
+              <a:ext uri="{FF2B5EF4-FFF2-40B4-BE49-F238E27FC236}">
+                <a16:creationId xmlns:a16="http://schemas.microsoft.com/office/drawing/2014/main" id="{63E98962-960A-DA82-D050-77CE2CC56408}"/>
+              </a:ext>
+            </a:extLst>
+          </p:cNvPr>
+          <p:cNvSpPr>
+            <a:spLocks noGrp="1"/>
+          </p:cNvSpPr>
+          <p:nvPr>
+            <p:ph idx="1"/>
+          </p:nvPr>
+        </p:nvSpPr>
+        <p:spPr/>
+        <p:txBody>
+          <a:bodyPr/>
+          <a:lstStyle/>
+          <a:p>
+            <a:r>
+              <a:rPr lang="zh-CN" altLang="en-US" dirty="0"/>
+              <a:t>模拟器</a:t>
+            </a:r>
+            <a:endParaRPr lang="en-US" altLang="zh-CN" dirty="0"/>
+          </a:p>
+          <a:p>
+            <a:r>
+              <a:rPr lang="zh-CN" altLang="en-US" dirty="0"/>
+              <a:t>对象工具链</a:t>
+            </a:r>
+            <a:endParaRPr lang="en-US" altLang="zh-CN" dirty="0"/>
+          </a:p>
+          <a:p>
+            <a:r>
+              <a:rPr lang="zh-CN" altLang="en-US" dirty="0"/>
+              <a:t>调试</a:t>
+            </a:r>
+            <a:endParaRPr lang="en-US" altLang="zh-CN" dirty="0"/>
+          </a:p>
+          <a:p>
+            <a:r>
+              <a:rPr lang="en-US" altLang="zh-CN" dirty="0"/>
+              <a:t>C </a:t>
+            </a:r>
+            <a:r>
+              <a:rPr lang="zh-CN" altLang="en-US" dirty="0"/>
+              <a:t>编译器和库</a:t>
+            </a:r>
+            <a:endParaRPr lang="en-US" altLang="zh-CN" dirty="0"/>
+          </a:p>
+          <a:p>
+            <a:r>
+              <a:rPr lang="zh-CN" altLang="en-US" dirty="0"/>
+              <a:t>引导加载程序和监视器</a:t>
+            </a:r>
+            <a:endParaRPr lang="en-US" altLang="zh-CN" dirty="0"/>
+          </a:p>
+          <a:p>
+            <a:r>
+              <a:rPr lang="zh-CN" altLang="en-US" dirty="0"/>
+              <a:t>管理程序和相关工具</a:t>
+            </a:r>
+            <a:endParaRPr lang="en-US" altLang="zh-CN" dirty="0"/>
+          </a:p>
+          <a:p>
+            <a:r>
+              <a:rPr lang="zh-CN" altLang="en-US" dirty="0"/>
+              <a:t>操作系统和操作系统内核</a:t>
+            </a:r>
+            <a:endParaRPr lang="en-US" altLang="zh-CN" dirty="0"/>
+          </a:p>
+          <a:p>
+            <a:r>
+              <a:rPr lang="zh-CN" altLang="en-US" dirty="0"/>
+              <a:t>其他语言的编译器和运行时</a:t>
+            </a:r>
+            <a:endParaRPr lang="en-US" altLang="zh-CN" dirty="0"/>
+          </a:p>
+          <a:p>
+            <a:r>
+              <a:rPr lang="en-US" altLang="zh-CN" dirty="0"/>
+              <a:t>IDE</a:t>
+            </a:r>
+            <a:r>
+              <a:rPr lang="zh-CN" altLang="en-US" dirty="0"/>
+              <a:t>、</a:t>
+            </a:r>
+            <a:r>
+              <a:rPr lang="en-US" altLang="zh-CN" dirty="0"/>
+              <a:t>SDK </a:t>
+            </a:r>
+            <a:r>
+              <a:rPr lang="zh-CN" altLang="en-US" dirty="0"/>
+              <a:t>和二进制工具链发行版</a:t>
+            </a:r>
+            <a:endParaRPr lang="en-US" altLang="zh-CN" dirty="0"/>
+          </a:p>
+          <a:p>
+            <a:r>
+              <a:rPr lang="zh-CN" altLang="en-US" dirty="0"/>
+              <a:t>安全</a:t>
+            </a:r>
+            <a:endParaRPr lang="en-US" altLang="zh-CN" dirty="0"/>
+          </a:p>
+          <a:p>
+            <a:r>
+              <a:rPr lang="zh-CN" altLang="en-US" dirty="0"/>
+              <a:t>机器学习</a:t>
+            </a:r>
+            <a:r>
+              <a:rPr lang="en-US" altLang="zh-CN" dirty="0"/>
+              <a:t>/</a:t>
+            </a:r>
+            <a:r>
+              <a:rPr lang="zh-CN" altLang="en-US" dirty="0"/>
+              <a:t>人工智能</a:t>
+            </a:r>
+            <a:endParaRPr lang="en-US" dirty="0"/>
+          </a:p>
+        </p:txBody>
+      </p:sp>
     </p:spTree>
     <p:extLst>
       <p:ext uri="{BB962C8B-B14F-4D97-AF65-F5344CB8AC3E}">
-        <p14:creationId xmlns:p14="http://schemas.microsoft.com/office/powerpoint/2010/main" val="4037253002"/>
+        <p14:creationId xmlns:p14="http://schemas.microsoft.com/office/powerpoint/2010/main" val="835150178"/>
       </p:ext>
     </p:extLst>
   </p:cSld>
